--- a/static/Tools/fMRIDirections.pptx
+++ b/static/Tools/fMRIDirections.pptx
@@ -2443,7 +2443,7 @@
           </a:ln>
           <a:extLst>
             <a:ext uri="{C572A759-6A51-4108-AA02-DFA0A04FC94B}">
-              <ma14:wrappingTextBoxFlag xmlns:ma14="http://schemas.microsoft.com/office/mac/drawingml/2011/main" xmlns:a14="http://schemas.microsoft.com/office/drawing/2010/main" xmlns:m="http://schemas.openxmlformats.org/officeDocument/2006/math" xmlns="" val="1"/>
+              <ma14:wrappingTextBoxFlag xmlns="" xmlns:m="http://schemas.openxmlformats.org/officeDocument/2006/math" xmlns:a14="http://schemas.microsoft.com/office/drawing/2010/main" xmlns:ma14="http://schemas.microsoft.com/office/mac/drawingml/2011/main" val="1"/>
             </a:ext>
           </a:extLst>
         </p:spPr>
@@ -2482,7 +2482,7 @@
           </a:ln>
           <a:extLst>
             <a:ext uri="{C572A759-6A51-4108-AA02-DFA0A04FC94B}">
-              <ma14:wrappingTextBoxFlag xmlns:ma14="http://schemas.microsoft.com/office/mac/drawingml/2011/main" xmlns:a14="http://schemas.microsoft.com/office/drawing/2010/main" xmlns:m="http://schemas.openxmlformats.org/officeDocument/2006/math" xmlns="" val="1"/>
+              <ma14:wrappingTextBoxFlag xmlns="" xmlns:m="http://schemas.openxmlformats.org/officeDocument/2006/math" xmlns:a14="http://schemas.microsoft.com/office/drawing/2010/main" xmlns:ma14="http://schemas.microsoft.com/office/mac/drawingml/2011/main" val="1"/>
             </a:ext>
           </a:extLst>
         </p:spPr>
@@ -4841,7 +4841,7 @@
             <a:noFill/>
             <a:extLst>
               <a:ext uri="{909E8E84-426E-40dd-AFC4-6F175D3DCCD1}">
-                <a14:hiddenFill xmlns:a14="http://schemas.microsoft.com/office/drawing/2010/main" xmlns="">
+                <a14:hiddenFill xmlns="" xmlns:a14="http://schemas.microsoft.com/office/drawing/2010/main">
                   <a:solidFill>
                     <a:srgbClr val="FFFFFF"/>
                   </a:solidFill>
@@ -5144,7 +5144,7 @@
             <a:effectLst/>
             <a:extLst>
               <a:ext uri="{C572A759-6A51-4108-AA02-DFA0A04FC94B}">
-                <ma14:wrappingTextBoxFlag xmlns:ma14="http://schemas.microsoft.com/office/mac/drawingml/2011/main" xmlns:a14="http://schemas.microsoft.com/office/drawing/2010/main" xmlns:m="http://schemas.openxmlformats.org/officeDocument/2006/math" xmlns="" val="1"/>
+                <ma14:wrappingTextBoxFlag xmlns="" xmlns:m="http://schemas.openxmlformats.org/officeDocument/2006/math" xmlns:a14="http://schemas.microsoft.com/office/drawing/2010/main" xmlns:ma14="http://schemas.microsoft.com/office/mac/drawingml/2011/main" val="1"/>
               </a:ext>
             </a:extLst>
           </p:spPr>
@@ -5221,7 +5221,7 @@
             <a:effectLst/>
             <a:extLst>
               <a:ext uri="{C572A759-6A51-4108-AA02-DFA0A04FC94B}">
-                <ma14:wrappingTextBoxFlag xmlns:ma14="http://schemas.microsoft.com/office/mac/drawingml/2011/main" xmlns:a14="http://schemas.microsoft.com/office/drawing/2010/main" xmlns:m="http://schemas.openxmlformats.org/officeDocument/2006/math" xmlns="" val="1"/>
+                <ma14:wrappingTextBoxFlag xmlns="" xmlns:m="http://schemas.openxmlformats.org/officeDocument/2006/math" xmlns:a14="http://schemas.microsoft.com/office/drawing/2010/main" xmlns:ma14="http://schemas.microsoft.com/office/mac/drawingml/2011/main" val="1"/>
               </a:ext>
             </a:extLst>
           </p:spPr>
@@ -5975,7 +5975,7 @@
             <a:noFill/>
             <a:extLst>
               <a:ext uri="{909E8E84-426E-40dd-AFC4-6F175D3DCCD1}">
-                <a14:hiddenFill xmlns:a14="http://schemas.microsoft.com/office/drawing/2010/main" xmlns="">
+                <a14:hiddenFill xmlns="" xmlns:a14="http://schemas.microsoft.com/office/drawing/2010/main">
                   <a:solidFill>
                     <a:srgbClr val="FFFFFF"/>
                   </a:solidFill>
@@ -9153,7 +9153,7 @@
             <a:effectLst/>
             <a:extLst>
               <a:ext uri="{C572A759-6A51-4108-AA02-DFA0A04FC94B}">
-                <ma14:wrappingTextBoxFlag xmlns:ma14="http://schemas.microsoft.com/office/mac/drawingml/2011/main" xmlns:a14="http://schemas.microsoft.com/office/drawing/2010/main" xmlns:m="http://schemas.openxmlformats.org/officeDocument/2006/math" xmlns="" val="1"/>
+                <ma14:wrappingTextBoxFlag xmlns="" xmlns:m="http://schemas.openxmlformats.org/officeDocument/2006/math" xmlns:a14="http://schemas.microsoft.com/office/drawing/2010/main" xmlns:ma14="http://schemas.microsoft.com/office/mac/drawingml/2011/main" val="1"/>
               </a:ext>
             </a:extLst>
           </p:spPr>
@@ -9230,7 +9230,7 @@
             <a:effectLst/>
             <a:extLst>
               <a:ext uri="{C572A759-6A51-4108-AA02-DFA0A04FC94B}">
-                <ma14:wrappingTextBoxFlag xmlns:ma14="http://schemas.microsoft.com/office/mac/drawingml/2011/main" xmlns:a14="http://schemas.microsoft.com/office/drawing/2010/main" xmlns:m="http://schemas.openxmlformats.org/officeDocument/2006/math" xmlns="" val="1"/>
+                <ma14:wrappingTextBoxFlag xmlns="" xmlns:m="http://schemas.openxmlformats.org/officeDocument/2006/math" xmlns:a14="http://schemas.microsoft.com/office/drawing/2010/main" xmlns:ma14="http://schemas.microsoft.com/office/mac/drawingml/2011/main" val="1"/>
               </a:ext>
             </a:extLst>
           </p:spPr>
@@ -10311,7 +10311,7 @@
           </a:ln>
           <a:extLst>
             <a:ext uri="{C572A759-6A51-4108-AA02-DFA0A04FC94B}">
-              <ma14:wrappingTextBoxFlag xmlns:ma14="http://schemas.microsoft.com/office/mac/drawingml/2011/main" xmlns:a14="http://schemas.microsoft.com/office/drawing/2010/main" xmlns:m="http://schemas.openxmlformats.org/officeDocument/2006/math" xmlns="" val="1"/>
+              <ma14:wrappingTextBoxFlag xmlns="" xmlns:m="http://schemas.openxmlformats.org/officeDocument/2006/math" xmlns:a14="http://schemas.microsoft.com/office/drawing/2010/main" xmlns:ma14="http://schemas.microsoft.com/office/mac/drawingml/2011/main" val="1"/>
             </a:ext>
           </a:extLst>
         </p:spPr>
@@ -10680,7 +10680,7 @@
             <a:noFill/>
             <a:extLst>
               <a:ext uri="{909E8E84-426E-40dd-AFC4-6F175D3DCCD1}">
-                <a14:hiddenFill xmlns:a14="http://schemas.microsoft.com/office/drawing/2010/main" xmlns="">
+                <a14:hiddenFill xmlns="" xmlns:a14="http://schemas.microsoft.com/office/drawing/2010/main">
                   <a:solidFill>
                     <a:srgbClr val="FFFFFF"/>
                   </a:solidFill>
@@ -11279,7 +11279,7 @@
             </a:ln>
             <a:extLst>
               <a:ext uri="{C572A759-6A51-4108-AA02-DFA0A04FC94B}">
-                <ma14:wrappingTextBoxFlag xmlns:ma14="http://schemas.microsoft.com/office/mac/drawingml/2011/main" xmlns:a14="http://schemas.microsoft.com/office/drawing/2010/main" xmlns:m="http://schemas.openxmlformats.org/officeDocument/2006/math" xmlns="" val="1"/>
+                <ma14:wrappingTextBoxFlag xmlns="" xmlns:m="http://schemas.openxmlformats.org/officeDocument/2006/math" xmlns:a14="http://schemas.microsoft.com/office/drawing/2010/main" xmlns:ma14="http://schemas.microsoft.com/office/mac/drawingml/2011/main" val="1"/>
               </a:ext>
             </a:extLst>
           </p:spPr>
@@ -11648,7 +11648,7 @@
               <a:noFill/>
               <a:extLst>
                 <a:ext uri="{909E8E84-426E-40dd-AFC4-6F175D3DCCD1}">
-                  <a14:hiddenFill xmlns:a14="http://schemas.microsoft.com/office/drawing/2010/main" xmlns="">
+                  <a14:hiddenFill xmlns="" xmlns:a14="http://schemas.microsoft.com/office/drawing/2010/main">
                     <a:solidFill>
                       <a:srgbClr val="FFFFFF"/>
                     </a:solidFill>
@@ -12253,7 +12253,7 @@
             </a:ln>
             <a:extLst>
               <a:ext uri="{C572A759-6A51-4108-AA02-DFA0A04FC94B}">
-                <ma14:wrappingTextBoxFlag xmlns:ma14="http://schemas.microsoft.com/office/mac/drawingml/2011/main" xmlns:a14="http://schemas.microsoft.com/office/drawing/2010/main" xmlns:m="http://schemas.openxmlformats.org/officeDocument/2006/math" xmlns="" val="1"/>
+                <ma14:wrappingTextBoxFlag xmlns="" xmlns:m="http://schemas.openxmlformats.org/officeDocument/2006/math" xmlns:a14="http://schemas.microsoft.com/office/drawing/2010/main" xmlns:ma14="http://schemas.microsoft.com/office/mac/drawingml/2011/main" val="1"/>
               </a:ext>
             </a:extLst>
           </p:spPr>
@@ -12609,7 +12609,7 @@
               <a:noFill/>
               <a:extLst>
                 <a:ext uri="{909E8E84-426E-40dd-AFC4-6F175D3DCCD1}">
-                  <a14:hiddenFill xmlns:a14="http://schemas.microsoft.com/office/drawing/2010/main" xmlns="">
+                  <a14:hiddenFill xmlns="" xmlns:a14="http://schemas.microsoft.com/office/drawing/2010/main">
                     <a:solidFill>
                       <a:srgbClr val="FFFFFF"/>
                     </a:solidFill>
@@ -13775,7 +13775,7 @@
             <a:noFill/>
             <a:extLst>
               <a:ext uri="{909E8E84-426E-40dd-AFC4-6F175D3DCCD1}">
-                <a14:hiddenFill xmlns:a14="http://schemas.microsoft.com/office/drawing/2010/main" xmlns="">
+                <a14:hiddenFill xmlns="" xmlns:a14="http://schemas.microsoft.com/office/drawing/2010/main">
                   <a:solidFill>
                     <a:srgbClr val="FFFFFF"/>
                   </a:solidFill>
@@ -13936,7 +13936,7 @@
             </a:ln>
             <a:extLst>
               <a:ext uri="{C572A759-6A51-4108-AA02-DFA0A04FC94B}">
-                <ma14:wrappingTextBoxFlag xmlns:ma14="http://schemas.microsoft.com/office/mac/drawingml/2011/main" xmlns:a14="http://schemas.microsoft.com/office/drawing/2010/main" xmlns:m="http://schemas.openxmlformats.org/officeDocument/2006/math" xmlns="" val="1"/>
+                <ma14:wrappingTextBoxFlag xmlns="" xmlns:m="http://schemas.openxmlformats.org/officeDocument/2006/math" xmlns:a14="http://schemas.microsoft.com/office/drawing/2010/main" xmlns:ma14="http://schemas.microsoft.com/office/mac/drawingml/2011/main" val="1"/>
               </a:ext>
             </a:extLst>
           </p:spPr>
@@ -14299,7 +14299,15 @@
             </a:pPr>
             <a:r>
               <a:rPr sz="3500" dirty="0"/>
-              <a:t>If you are too slow, you will see </a:t>
+              <a:t>If you are too slow</a:t>
+            </a:r>
+            <a:r>
+              <a:rPr lang="en-US" sz="3500" dirty="0"/>
+              <a:t> to respond</a:t>
+            </a:r>
+            <a:r>
+              <a:rPr sz="3500" dirty="0"/>
+              <a:t>, you will see </a:t>
             </a:r>
           </a:p>
           <a:p>
@@ -14315,20 +14323,8 @@
               <a:t>“</a:t>
             </a:r>
             <a:r>
-              <a:rPr sz="3500" i="1" dirty="0"/>
-              <a:t>Please respond </a:t>
-            </a:r>
-            <a:r>
-              <a:rPr lang="he-IL" sz="3500" i="1" dirty="0" err="1"/>
-              <a:t>more</a:t>
-            </a:r>
-            <a:r>
-              <a:rPr lang="he-IL" sz="3500" i="1" dirty="0"/>
-              <a:t> </a:t>
-            </a:r>
-            <a:r>
-              <a:rPr lang="he-IL" sz="3500" i="1" dirty="0" err="1"/>
-              <a:t>quickly</a:t>
+              <a:rPr lang="en-US" sz="3500" i="1" dirty="0"/>
+              <a:t>TOO SLOW</a:t>
             </a:r>
             <a:r>
               <a:rPr sz="3500" dirty="0"/>
@@ -15863,7 +15859,7 @@
             </a:ln>
             <a:extLst>
               <a:ext uri="{C572A759-6A51-4108-AA02-DFA0A04FC94B}">
-                <ma14:wrappingTextBoxFlag xmlns:ma14="http://schemas.microsoft.com/office/mac/drawingml/2011/main" xmlns:a14="http://schemas.microsoft.com/office/drawing/2010/main" xmlns:m="http://schemas.openxmlformats.org/officeDocument/2006/math" xmlns="" val="1"/>
+                <ma14:wrappingTextBoxFlag xmlns="" xmlns:m="http://schemas.openxmlformats.org/officeDocument/2006/math" xmlns:a14="http://schemas.microsoft.com/office/drawing/2010/main" xmlns:ma14="http://schemas.microsoft.com/office/mac/drawingml/2011/main" val="1"/>
               </a:ext>
             </a:extLst>
           </p:spPr>
@@ -16219,7 +16215,7 @@
               <a:noFill/>
               <a:extLst>
                 <a:ext uri="{909E8E84-426E-40dd-AFC4-6F175D3DCCD1}">
-                  <a14:hiddenFill xmlns:a14="http://schemas.microsoft.com/office/drawing/2010/main" xmlns="">
+                  <a14:hiddenFill xmlns="" xmlns:a14="http://schemas.microsoft.com/office/drawing/2010/main">
                     <a:solidFill>
                       <a:srgbClr val="FFFFFF"/>
                     </a:solidFill>
@@ -17385,7 +17381,7 @@
             <a:noFill/>
             <a:extLst>
               <a:ext uri="{909E8E84-426E-40dd-AFC4-6F175D3DCCD1}">
-                <a14:hiddenFill xmlns:a14="http://schemas.microsoft.com/office/drawing/2010/main" xmlns="">
+                <a14:hiddenFill xmlns="" xmlns:a14="http://schemas.microsoft.com/office/drawing/2010/main">
                   <a:solidFill>
                     <a:srgbClr val="FFFFFF"/>
                   </a:solidFill>
@@ -18080,7 +18076,7 @@
             <a:noFill/>
             <a:extLst>
               <a:ext uri="{909E8E84-426E-40dd-AFC4-6F175D3DCCD1}">
-                <a14:hiddenFill xmlns:a14="http://schemas.microsoft.com/office/drawing/2010/main" xmlns="">
+                <a14:hiddenFill xmlns="" xmlns:a14="http://schemas.microsoft.com/office/drawing/2010/main">
                   <a:solidFill>
                     <a:srgbClr val="FFFFFF"/>
                   </a:solidFill>
@@ -18988,7 +18984,7 @@
             <a:noFill/>
             <a:extLst>
               <a:ext uri="{909E8E84-426E-40dd-AFC4-6F175D3DCCD1}">
-                <a14:hiddenFill xmlns:a14="http://schemas.microsoft.com/office/drawing/2010/main" xmlns="">
+                <a14:hiddenFill xmlns="" xmlns:a14="http://schemas.microsoft.com/office/drawing/2010/main">
                   <a:solidFill>
                     <a:srgbClr val="FFFFFF"/>
                   </a:solidFill>
@@ -20884,7 +20880,7 @@
           </a:ln>
           <a:extLst>
             <a:ext uri="{C572A759-6A51-4108-AA02-DFA0A04FC94B}">
-              <ma14:wrappingTextBoxFlag xmlns:ma14="http://schemas.microsoft.com/office/mac/drawingml/2011/main" xmlns:a14="http://schemas.microsoft.com/office/drawing/2010/main" xmlns:m="http://schemas.openxmlformats.org/officeDocument/2006/math" xmlns="" val="1"/>
+              <ma14:wrappingTextBoxFlag xmlns="" xmlns:m="http://schemas.openxmlformats.org/officeDocument/2006/math" xmlns:a14="http://schemas.microsoft.com/office/drawing/2010/main" xmlns:ma14="http://schemas.microsoft.com/office/mac/drawingml/2011/main" val="1"/>
             </a:ext>
           </a:extLst>
         </p:spPr>
@@ -22731,7 +22727,7 @@
           </a:ln>
           <a:extLst>
             <a:ext uri="{C572A759-6A51-4108-AA02-DFA0A04FC94B}">
-              <ma14:wrappingTextBoxFlag xmlns:ma14="http://schemas.microsoft.com/office/mac/drawingml/2011/main" xmlns:a14="http://schemas.microsoft.com/office/drawing/2010/main" xmlns:m="http://schemas.openxmlformats.org/officeDocument/2006/math" xmlns="" val="1"/>
+              <ma14:wrappingTextBoxFlag xmlns="" xmlns:m="http://schemas.openxmlformats.org/officeDocument/2006/math" xmlns:a14="http://schemas.microsoft.com/office/drawing/2010/main" xmlns:ma14="http://schemas.microsoft.com/office/mac/drawingml/2011/main" val="1"/>
             </a:ext>
           </a:extLst>
         </p:spPr>
@@ -22808,7 +22804,7 @@
           </a:ln>
           <a:extLst>
             <a:ext uri="{C572A759-6A51-4108-AA02-DFA0A04FC94B}">
-              <ma14:wrappingTextBoxFlag xmlns:ma14="http://schemas.microsoft.com/office/mac/drawingml/2011/main" xmlns:a14="http://schemas.microsoft.com/office/drawing/2010/main" xmlns:m="http://schemas.openxmlformats.org/officeDocument/2006/math" xmlns="" val="1"/>
+              <ma14:wrappingTextBoxFlag xmlns="" xmlns:m="http://schemas.openxmlformats.org/officeDocument/2006/math" xmlns:a14="http://schemas.microsoft.com/office/drawing/2010/main" xmlns:ma14="http://schemas.microsoft.com/office/mac/drawingml/2011/main" val="1"/>
             </a:ext>
           </a:extLst>
         </p:spPr>
@@ -22902,7 +22898,7 @@
           </a:ln>
           <a:extLst>
             <a:ext uri="{C572A759-6A51-4108-AA02-DFA0A04FC94B}">
-              <ma14:wrappingTextBoxFlag xmlns:ma14="http://schemas.microsoft.com/office/mac/drawingml/2011/main" xmlns:a14="http://schemas.microsoft.com/office/drawing/2010/main" xmlns:m="http://schemas.openxmlformats.org/officeDocument/2006/math" xmlns="" val="1"/>
+              <ma14:wrappingTextBoxFlag xmlns="" xmlns:m="http://schemas.openxmlformats.org/officeDocument/2006/math" xmlns:a14="http://schemas.microsoft.com/office/drawing/2010/main" xmlns:ma14="http://schemas.microsoft.com/office/mac/drawingml/2011/main" val="1"/>
             </a:ext>
           </a:extLst>
         </p:spPr>
@@ -23270,7 +23266,7 @@
           <a:effectLst/>
           <a:extLst>
             <a:ext uri="{C572A759-6A51-4108-AA02-DFA0A04FC94B}">
-              <ma14:wrappingTextBoxFlag xmlns:ma14="http://schemas.microsoft.com/office/mac/drawingml/2011/main" xmlns:a14="http://schemas.microsoft.com/office/drawing/2010/main" xmlns:m="http://schemas.openxmlformats.org/officeDocument/2006/math" xmlns="" val="1"/>
+              <ma14:wrappingTextBoxFlag xmlns="" xmlns:m="http://schemas.openxmlformats.org/officeDocument/2006/math" xmlns:a14="http://schemas.microsoft.com/office/drawing/2010/main" xmlns:ma14="http://schemas.microsoft.com/office/mac/drawingml/2011/main" val="1"/>
             </a:ext>
           </a:extLst>
         </p:spPr>
@@ -23317,7 +23313,7 @@
           <a:effectLst/>
           <a:extLst>
             <a:ext uri="{C572A759-6A51-4108-AA02-DFA0A04FC94B}">
-              <ma14:wrappingTextBoxFlag xmlns:ma14="http://schemas.microsoft.com/office/mac/drawingml/2011/main" xmlns:a14="http://schemas.microsoft.com/office/drawing/2010/main" xmlns:m="http://schemas.openxmlformats.org/officeDocument/2006/math" xmlns="" val="1"/>
+              <ma14:wrappingTextBoxFlag xmlns="" xmlns:m="http://schemas.openxmlformats.org/officeDocument/2006/math" xmlns:a14="http://schemas.microsoft.com/office/drawing/2010/main" xmlns:ma14="http://schemas.microsoft.com/office/mac/drawingml/2011/main" val="1"/>
             </a:ext>
           </a:extLst>
         </p:spPr>

--- a/static/Tools/fMRIDirections.pptx
+++ b/static/Tools/fMRIDirections.pptx
@@ -14840,7 +14840,7 @@
             </a:pPr>
             <a:r>
               <a:rPr lang="en-US" dirty="0"/>
-              <a:t>Press the D key to start.</a:t>
+              <a:t>Press NEXT to start.</a:t>
             </a:r>
             <a:endParaRPr dirty="0"/>
           </a:p>
@@ -15627,7 +15627,7 @@
           </a:bodyPr>
           <a:lstStyle/>
           <a:p>
-            <a:pPr marL="0" marR="0" indent="0" algn="ctr" defTabSz="584200" rtl="1" fontAlgn="auto" latinLnBrk="0" hangingPunct="0">
+            <a:pPr marL="0" marR="0" indent="0" algn="ctr" defTabSz="584200" rtl="0" fontAlgn="auto" latinLnBrk="0" hangingPunct="0">
               <a:lnSpc>
                 <a:spcPct val="100000"/>
               </a:lnSpc>
@@ -15694,7 +15694,7 @@
             </a:pPr>
             <a:r>
               <a:rPr lang="en-US" sz="3500" dirty="0"/>
-              <a:t>When you are ready to start please press the D key.</a:t>
+              <a:t>When you are ready to start please press NEXT.</a:t>
             </a:r>
             <a:endParaRPr sz="3500" dirty="0"/>
           </a:p>
@@ -18330,7 +18330,7 @@
             </a:pPr>
             <a:r>
               <a:rPr lang="en-US" sz="3500" dirty="0"/>
-              <a:t>If you are too slow, you will see </a:t>
+              <a:t>If you are too slow to respond, you will see </a:t>
             </a:r>
           </a:p>
           <a:p>
@@ -18347,7 +18347,7 @@
             </a:r>
             <a:r>
               <a:rPr lang="en-US" sz="3500" i="1" dirty="0"/>
-              <a:t>Please respond more quickly</a:t>
+              <a:t>TOO SLOW</a:t>
             </a:r>
             <a:r>
               <a:rPr lang="en-US" sz="3500" dirty="0"/>
@@ -19591,7 +19591,7 @@
             </a:pPr>
             <a:r>
               <a:rPr lang="en-US" dirty="0"/>
-              <a:t>Press the D key to start.</a:t>
+              <a:t>Press NEXT to start.</a:t>
             </a:r>
             <a:endParaRPr dirty="0"/>
           </a:p>
@@ -22140,7 +22140,7 @@
             </a:pPr>
             <a:r>
               <a:rPr lang="en-US" sz="3500" dirty="0"/>
-              <a:t>If you are too slow, you will see </a:t>
+              <a:t>If you are too slow to respond, you will see </a:t>
             </a:r>
           </a:p>
           <a:p>
@@ -22157,7 +22157,7 @@
             </a:r>
             <a:r>
               <a:rPr lang="en-US" sz="3500" i="1" dirty="0"/>
-              <a:t>Please respond more quickly</a:t>
+              <a:t>TOO SLOW</a:t>
             </a:r>
             <a:r>
               <a:rPr lang="en-US" sz="3500" dirty="0"/>
@@ -22620,7 +22620,7 @@
             </a:pPr>
             <a:r>
               <a:rPr lang="en-US" dirty="0"/>
-              <a:t>Press the D key to start.</a:t>
+              <a:t>Press NEXT to start.</a:t>
             </a:r>
             <a:endParaRPr dirty="0"/>
           </a:p>

--- a/static/Tools/fMRIDirections.pptx
+++ b/static/Tools/fMRIDirections.pptx
@@ -2443,7 +2443,7 @@
           </a:ln>
           <a:extLst>
             <a:ext uri="{C572A759-6A51-4108-AA02-DFA0A04FC94B}">
-              <ma14:wrappingTextBoxFlag xmlns="" xmlns:m="http://schemas.openxmlformats.org/officeDocument/2006/math" xmlns:a14="http://schemas.microsoft.com/office/drawing/2010/main" xmlns:ma14="http://schemas.microsoft.com/office/mac/drawingml/2011/main" val="1"/>
+              <ma14:wrappingTextBoxFlag xmlns:ma14="http://schemas.microsoft.com/office/mac/drawingml/2011/main" xmlns:a14="http://schemas.microsoft.com/office/drawing/2010/main" xmlns:m="http://schemas.openxmlformats.org/officeDocument/2006/math" xmlns="" val="1"/>
             </a:ext>
           </a:extLst>
         </p:spPr>
@@ -2482,7 +2482,7 @@
           </a:ln>
           <a:extLst>
             <a:ext uri="{C572A759-6A51-4108-AA02-DFA0A04FC94B}">
-              <ma14:wrappingTextBoxFlag xmlns="" xmlns:m="http://schemas.openxmlformats.org/officeDocument/2006/math" xmlns:a14="http://schemas.microsoft.com/office/drawing/2010/main" xmlns:ma14="http://schemas.microsoft.com/office/mac/drawingml/2011/main" val="1"/>
+              <ma14:wrappingTextBoxFlag xmlns:ma14="http://schemas.microsoft.com/office/mac/drawingml/2011/main" xmlns:a14="http://schemas.microsoft.com/office/drawing/2010/main" xmlns:m="http://schemas.openxmlformats.org/officeDocument/2006/math" xmlns="" val="1"/>
             </a:ext>
           </a:extLst>
         </p:spPr>
@@ -4841,7 +4841,7 @@
             <a:noFill/>
             <a:extLst>
               <a:ext uri="{909E8E84-426E-40dd-AFC4-6F175D3DCCD1}">
-                <a14:hiddenFill xmlns="" xmlns:a14="http://schemas.microsoft.com/office/drawing/2010/main">
+                <a14:hiddenFill xmlns:a14="http://schemas.microsoft.com/office/drawing/2010/main" xmlns="">
                   <a:solidFill>
                     <a:srgbClr val="FFFFFF"/>
                   </a:solidFill>
@@ -5082,28 +5082,7 @@
             </a:pPr>
             <a:r>
               <a:rPr lang="en-US" sz="3500" dirty="0"/>
-              <a:t>If you are too slow, you will see </a:t>
-            </a:r>
-          </a:p>
-          <a:p>
-            <a:pPr defTabSz="452627">
-              <a:defRPr sz="3465">
-                <a:solidFill>
-                  <a:srgbClr val="FFFFFF"/>
-                </a:solidFill>
-              </a:defRPr>
-            </a:pPr>
-            <a:r>
-              <a:rPr lang="en-US" sz="3500" dirty="0"/>
-              <a:t>“</a:t>
-            </a:r>
-            <a:r>
-              <a:rPr lang="en-US" sz="3500" i="1" dirty="0"/>
-              <a:t>Please respond more quickly</a:t>
-            </a:r>
-            <a:r>
-              <a:rPr lang="en-US" sz="3500" dirty="0"/>
-              <a:t>” on the screen.</a:t>
+              <a:t>If you are too slow, you will not earn bonus money for that decision.</a:t>
             </a:r>
           </a:p>
         </p:txBody>
@@ -5144,7 +5123,7 @@
             <a:effectLst/>
             <a:extLst>
               <a:ext uri="{C572A759-6A51-4108-AA02-DFA0A04FC94B}">
-                <ma14:wrappingTextBoxFlag xmlns="" xmlns:m="http://schemas.openxmlformats.org/officeDocument/2006/math" xmlns:a14="http://schemas.microsoft.com/office/drawing/2010/main" xmlns:ma14="http://schemas.microsoft.com/office/mac/drawingml/2011/main" val="1"/>
+                <ma14:wrappingTextBoxFlag xmlns:ma14="http://schemas.microsoft.com/office/mac/drawingml/2011/main" xmlns:a14="http://schemas.microsoft.com/office/drawing/2010/main" xmlns:m="http://schemas.openxmlformats.org/officeDocument/2006/math" xmlns="" val="1"/>
               </a:ext>
             </a:extLst>
           </p:spPr>
@@ -5221,7 +5200,7 @@
             <a:effectLst/>
             <a:extLst>
               <a:ext uri="{C572A759-6A51-4108-AA02-DFA0A04FC94B}">
-                <ma14:wrappingTextBoxFlag xmlns="" xmlns:m="http://schemas.openxmlformats.org/officeDocument/2006/math" xmlns:a14="http://schemas.microsoft.com/office/drawing/2010/main" xmlns:ma14="http://schemas.microsoft.com/office/mac/drawingml/2011/main" val="1"/>
+                <ma14:wrappingTextBoxFlag xmlns:ma14="http://schemas.microsoft.com/office/mac/drawingml/2011/main" xmlns:a14="http://schemas.microsoft.com/office/drawing/2010/main" xmlns:m="http://schemas.openxmlformats.org/officeDocument/2006/math" xmlns="" val="1"/>
               </a:ext>
             </a:extLst>
           </p:spPr>
@@ -5495,7 +5474,7 @@
         </p:nvSpPr>
         <p:spPr>
           <a:xfrm>
-            <a:off x="0" y="0"/>
+            <a:off x="0" y="415637"/>
             <a:ext cx="13004800" cy="9753600"/>
           </a:xfrm>
           <a:prstGeom prst="rect">
@@ -5685,8 +5664,22 @@
             </a:pPr>
             <a:r>
               <a:rPr lang="en-US" sz="3500" dirty="0"/>
-              <a:t>But you can still win bonus money for responding correctly!</a:t>
-            </a:r>
+              <a:t>But you can still win bonus money for responding correctly! </a:t>
+            </a:r>
+            <a:r>
+              <a:rPr lang="en-US" sz="3600" dirty="0"/>
+              <a:t>You can earn up to $2 each round.</a:t>
+            </a:r>
+          </a:p>
+          <a:p>
+            <a:pPr defTabSz="452627">
+              <a:defRPr sz="3465">
+                <a:solidFill>
+                  <a:srgbClr val="FFFFFF"/>
+                </a:solidFill>
+              </a:defRPr>
+            </a:pPr>
+            <a:endParaRPr lang="en-US" sz="3500" dirty="0"/>
           </a:p>
           <a:p>
             <a:pPr defTabSz="452627">
@@ -5975,7 +5968,7 @@
             <a:noFill/>
             <a:extLst>
               <a:ext uri="{909E8E84-426E-40dd-AFC4-6F175D3DCCD1}">
-                <a14:hiddenFill xmlns="" xmlns:a14="http://schemas.microsoft.com/office/drawing/2010/main">
+                <a14:hiddenFill xmlns:a14="http://schemas.microsoft.com/office/drawing/2010/main" xmlns="">
                   <a:solidFill>
                     <a:srgbClr val="FFFFFF"/>
                   </a:solidFill>
@@ -7297,8 +7290,22 @@
             </a:pPr>
             <a:r>
               <a:rPr lang="en-US" sz="3500" dirty="0"/>
-              <a:t>You will get a portion of the money that you win as bonus.</a:t>
-            </a:r>
+              <a:t>You will get a portion of the money that you win as bonus. </a:t>
+            </a:r>
+            <a:r>
+              <a:rPr lang="en-US" sz="3600" dirty="0"/>
+              <a:t>You can earn up to $2 each round.</a:t>
+            </a:r>
+          </a:p>
+          <a:p>
+            <a:pPr defTabSz="384047">
+              <a:defRPr sz="3612">
+                <a:solidFill>
+                  <a:srgbClr val="FFFFFF"/>
+                </a:solidFill>
+              </a:defRPr>
+            </a:pPr>
+            <a:endParaRPr lang="en-US" sz="3500" dirty="0"/>
           </a:p>
           <a:p>
             <a:pPr defTabSz="384047">
@@ -9153,7 +9160,7 @@
             <a:effectLst/>
             <a:extLst>
               <a:ext uri="{C572A759-6A51-4108-AA02-DFA0A04FC94B}">
-                <ma14:wrappingTextBoxFlag xmlns="" xmlns:m="http://schemas.openxmlformats.org/officeDocument/2006/math" xmlns:a14="http://schemas.microsoft.com/office/drawing/2010/main" xmlns:ma14="http://schemas.microsoft.com/office/mac/drawingml/2011/main" val="1"/>
+                <ma14:wrappingTextBoxFlag xmlns:ma14="http://schemas.microsoft.com/office/mac/drawingml/2011/main" xmlns:a14="http://schemas.microsoft.com/office/drawing/2010/main" xmlns:m="http://schemas.openxmlformats.org/officeDocument/2006/math" xmlns="" val="1"/>
               </a:ext>
             </a:extLst>
           </p:spPr>
@@ -9230,7 +9237,7 @@
             <a:effectLst/>
             <a:extLst>
               <a:ext uri="{C572A759-6A51-4108-AA02-DFA0A04FC94B}">
-                <ma14:wrappingTextBoxFlag xmlns="" xmlns:m="http://schemas.openxmlformats.org/officeDocument/2006/math" xmlns:a14="http://schemas.microsoft.com/office/drawing/2010/main" xmlns:ma14="http://schemas.microsoft.com/office/mac/drawingml/2011/main" val="1"/>
+                <ma14:wrappingTextBoxFlag xmlns:ma14="http://schemas.microsoft.com/office/mac/drawingml/2011/main" xmlns:a14="http://schemas.microsoft.com/office/drawing/2010/main" xmlns:m="http://schemas.openxmlformats.org/officeDocument/2006/math" xmlns="" val="1"/>
               </a:ext>
             </a:extLst>
           </p:spPr>
@@ -10311,7 +10318,7 @@
           </a:ln>
           <a:extLst>
             <a:ext uri="{C572A759-6A51-4108-AA02-DFA0A04FC94B}">
-              <ma14:wrappingTextBoxFlag xmlns="" xmlns:m="http://schemas.openxmlformats.org/officeDocument/2006/math" xmlns:a14="http://schemas.microsoft.com/office/drawing/2010/main" xmlns:ma14="http://schemas.microsoft.com/office/mac/drawingml/2011/main" val="1"/>
+              <ma14:wrappingTextBoxFlag xmlns:ma14="http://schemas.microsoft.com/office/mac/drawingml/2011/main" xmlns:a14="http://schemas.microsoft.com/office/drawing/2010/main" xmlns:m="http://schemas.openxmlformats.org/officeDocument/2006/math" xmlns="" val="1"/>
             </a:ext>
           </a:extLst>
         </p:spPr>
@@ -10680,7 +10687,7 @@
             <a:noFill/>
             <a:extLst>
               <a:ext uri="{909E8E84-426E-40dd-AFC4-6F175D3DCCD1}">
-                <a14:hiddenFill xmlns="" xmlns:a14="http://schemas.microsoft.com/office/drawing/2010/main">
+                <a14:hiddenFill xmlns:a14="http://schemas.microsoft.com/office/drawing/2010/main" xmlns="">
                   <a:solidFill>
                     <a:srgbClr val="FFFFFF"/>
                   </a:solidFill>
@@ -11279,7 +11286,7 @@
             </a:ln>
             <a:extLst>
               <a:ext uri="{C572A759-6A51-4108-AA02-DFA0A04FC94B}">
-                <ma14:wrappingTextBoxFlag xmlns="" xmlns:m="http://schemas.openxmlformats.org/officeDocument/2006/math" xmlns:a14="http://schemas.microsoft.com/office/drawing/2010/main" xmlns:ma14="http://schemas.microsoft.com/office/mac/drawingml/2011/main" val="1"/>
+                <ma14:wrappingTextBoxFlag xmlns:ma14="http://schemas.microsoft.com/office/mac/drawingml/2011/main" xmlns:a14="http://schemas.microsoft.com/office/drawing/2010/main" xmlns:m="http://schemas.openxmlformats.org/officeDocument/2006/math" xmlns="" val="1"/>
               </a:ext>
             </a:extLst>
           </p:spPr>
@@ -11648,7 +11655,7 @@
               <a:noFill/>
               <a:extLst>
                 <a:ext uri="{909E8E84-426E-40dd-AFC4-6F175D3DCCD1}">
-                  <a14:hiddenFill xmlns="" xmlns:a14="http://schemas.microsoft.com/office/drawing/2010/main">
+                  <a14:hiddenFill xmlns:a14="http://schemas.microsoft.com/office/drawing/2010/main" xmlns="">
                     <a:solidFill>
                       <a:srgbClr val="FFFFFF"/>
                     </a:solidFill>
@@ -12253,7 +12260,7 @@
             </a:ln>
             <a:extLst>
               <a:ext uri="{C572A759-6A51-4108-AA02-DFA0A04FC94B}">
-                <ma14:wrappingTextBoxFlag xmlns="" xmlns:m="http://schemas.openxmlformats.org/officeDocument/2006/math" xmlns:a14="http://schemas.microsoft.com/office/drawing/2010/main" xmlns:ma14="http://schemas.microsoft.com/office/mac/drawingml/2011/main" val="1"/>
+                <ma14:wrappingTextBoxFlag xmlns:ma14="http://schemas.microsoft.com/office/mac/drawingml/2011/main" xmlns:a14="http://schemas.microsoft.com/office/drawing/2010/main" xmlns:m="http://schemas.openxmlformats.org/officeDocument/2006/math" xmlns="" val="1"/>
               </a:ext>
             </a:extLst>
           </p:spPr>
@@ -12609,7 +12616,7 @@
               <a:noFill/>
               <a:extLst>
                 <a:ext uri="{909E8E84-426E-40dd-AFC4-6F175D3DCCD1}">
-                  <a14:hiddenFill xmlns="" xmlns:a14="http://schemas.microsoft.com/office/drawing/2010/main">
+                  <a14:hiddenFill xmlns:a14="http://schemas.microsoft.com/office/drawing/2010/main" xmlns="">
                     <a:solidFill>
                       <a:srgbClr val="FFFFFF"/>
                     </a:solidFill>
@@ -13775,7 +13782,7 @@
             <a:noFill/>
             <a:extLst>
               <a:ext uri="{909E8E84-426E-40dd-AFC4-6F175D3DCCD1}">
-                <a14:hiddenFill xmlns="" xmlns:a14="http://schemas.microsoft.com/office/drawing/2010/main">
+                <a14:hiddenFill xmlns:a14="http://schemas.microsoft.com/office/drawing/2010/main" xmlns="">
                   <a:solidFill>
                     <a:srgbClr val="FFFFFF"/>
                   </a:solidFill>
@@ -13925,8 +13932,8 @@
           </p:nvSpPr>
           <p:spPr>
             <a:xfrm>
-              <a:off x="625501" y="1701339"/>
-              <a:ext cx="11753798" cy="5675060"/>
+              <a:off x="625501" y="1525224"/>
+              <a:ext cx="11753798" cy="6027291"/>
             </a:xfrm>
             <a:prstGeom prst="rect">
               <a:avLst/>
@@ -13936,7 +13943,7 @@
             </a:ln>
             <a:extLst>
               <a:ext uri="{C572A759-6A51-4108-AA02-DFA0A04FC94B}">
-                <ma14:wrappingTextBoxFlag xmlns="" xmlns:m="http://schemas.openxmlformats.org/officeDocument/2006/math" xmlns:a14="http://schemas.microsoft.com/office/drawing/2010/main" xmlns:ma14="http://schemas.microsoft.com/office/mac/drawingml/2011/main" val="1"/>
+                <ma14:wrappingTextBoxFlag xmlns:ma14="http://schemas.microsoft.com/office/mac/drawingml/2011/main" xmlns:a14="http://schemas.microsoft.com/office/drawing/2010/main" xmlns:m="http://schemas.openxmlformats.org/officeDocument/2006/math" xmlns="" val="1"/>
               </a:ext>
             </a:extLst>
           </p:spPr>
@@ -14011,6 +14018,10 @@
                 <a:rPr dirty="0"/>
                 <a:t>You will get a portion of the money that you win as bonus.</a:t>
               </a:r>
+              <a:r>
+                <a:rPr lang="en-US" dirty="0"/>
+                <a:t> You can earn up to 50¢ each round.</a:t>
+              </a:r>
             </a:p>
             <a:p>
               <a:pPr defTabSz="457200">
@@ -14020,7 +14031,7 @@
                   </a:solidFill>
                 </a:defRPr>
               </a:pPr>
-              <a:endParaRPr dirty="0"/>
+              <a:endParaRPr lang="en-US" dirty="0"/>
             </a:p>
             <a:p>
               <a:pPr defTabSz="457200">
@@ -15859,7 +15870,7 @@
             </a:ln>
             <a:extLst>
               <a:ext uri="{C572A759-6A51-4108-AA02-DFA0A04FC94B}">
-                <ma14:wrappingTextBoxFlag xmlns="" xmlns:m="http://schemas.openxmlformats.org/officeDocument/2006/math" xmlns:a14="http://schemas.microsoft.com/office/drawing/2010/main" xmlns:ma14="http://schemas.microsoft.com/office/mac/drawingml/2011/main" val="1"/>
+                <ma14:wrappingTextBoxFlag xmlns:ma14="http://schemas.microsoft.com/office/mac/drawingml/2011/main" xmlns:a14="http://schemas.microsoft.com/office/drawing/2010/main" xmlns:m="http://schemas.openxmlformats.org/officeDocument/2006/math" xmlns="" val="1"/>
               </a:ext>
             </a:extLst>
           </p:spPr>
@@ -16215,7 +16226,7 @@
               <a:noFill/>
               <a:extLst>
                 <a:ext uri="{909E8E84-426E-40dd-AFC4-6F175D3DCCD1}">
-                  <a14:hiddenFill xmlns="" xmlns:a14="http://schemas.microsoft.com/office/drawing/2010/main">
+                  <a14:hiddenFill xmlns:a14="http://schemas.microsoft.com/office/drawing/2010/main" xmlns="">
                     <a:solidFill>
                       <a:srgbClr val="FFFFFF"/>
                     </a:solidFill>
@@ -17381,7 +17392,7 @@
             <a:noFill/>
             <a:extLst>
               <a:ext uri="{909E8E84-426E-40dd-AFC4-6F175D3DCCD1}">
-                <a14:hiddenFill xmlns="" xmlns:a14="http://schemas.microsoft.com/office/drawing/2010/main">
+                <a14:hiddenFill xmlns:a14="http://schemas.microsoft.com/office/drawing/2010/main" xmlns="">
                   <a:solidFill>
                     <a:srgbClr val="FFFFFF"/>
                   </a:solidFill>
@@ -18076,7 +18087,7 @@
             <a:noFill/>
             <a:extLst>
               <a:ext uri="{909E8E84-426E-40dd-AFC4-6F175D3DCCD1}">
-                <a14:hiddenFill xmlns="" xmlns:a14="http://schemas.microsoft.com/office/drawing/2010/main">
+                <a14:hiddenFill xmlns:a14="http://schemas.microsoft.com/office/drawing/2010/main" xmlns="">
                   <a:solidFill>
                     <a:srgbClr val="FFFFFF"/>
                   </a:solidFill>
@@ -18330,28 +18341,7 @@
             </a:pPr>
             <a:r>
               <a:rPr lang="en-US" sz="3500" dirty="0"/>
-              <a:t>If you are too slow to respond, you will see </a:t>
-            </a:r>
-          </a:p>
-          <a:p>
-            <a:pPr defTabSz="452627">
-              <a:defRPr sz="3465">
-                <a:solidFill>
-                  <a:srgbClr val="FFFFFF"/>
-                </a:solidFill>
-              </a:defRPr>
-            </a:pPr>
-            <a:r>
-              <a:rPr lang="en-US" sz="3500" dirty="0"/>
-              <a:t>“</a:t>
-            </a:r>
-            <a:r>
-              <a:rPr lang="en-US" sz="3500" i="1" dirty="0"/>
-              <a:t>TOO SLOW</a:t>
-            </a:r>
-            <a:r>
-              <a:rPr lang="en-US" sz="3500" dirty="0"/>
-              <a:t>” on the screen.</a:t>
+              <a:t>If you are too slow to respond, you will not earn bonus money for that decision.</a:t>
             </a:r>
           </a:p>
         </p:txBody>
@@ -18704,8 +18694,22 @@
             </a:pPr>
             <a:r>
               <a:rPr lang="en-US" sz="3500" dirty="0"/>
-              <a:t>But you can still win bonus money for responding correctly!</a:t>
-            </a:r>
+              <a:t>But you can still win bonus money for responding correctly! </a:t>
+            </a:r>
+            <a:r>
+              <a:rPr lang="en-US" sz="3600" dirty="0"/>
+              <a:t>You can earn up to 50¢ each round.</a:t>
+            </a:r>
+          </a:p>
+          <a:p>
+            <a:pPr defTabSz="452627">
+              <a:defRPr sz="3465">
+                <a:solidFill>
+                  <a:srgbClr val="FFFFFF"/>
+                </a:solidFill>
+              </a:defRPr>
+            </a:pPr>
+            <a:endParaRPr lang="en-US" sz="3500" dirty="0"/>
           </a:p>
         </p:txBody>
       </p:sp>
@@ -18984,7 +18988,7 @@
             <a:noFill/>
             <a:extLst>
               <a:ext uri="{909E8E84-426E-40dd-AFC4-6F175D3DCCD1}">
-                <a14:hiddenFill xmlns="" xmlns:a14="http://schemas.microsoft.com/office/drawing/2010/main">
+                <a14:hiddenFill xmlns:a14="http://schemas.microsoft.com/office/drawing/2010/main" xmlns="">
                   <a:solidFill>
                     <a:srgbClr val="FFFFFF"/>
                   </a:solidFill>
@@ -20076,8 +20080,22 @@
             </a:pPr>
             <a:r>
               <a:rPr lang="en-US" sz="3500" dirty="0"/>
-              <a:t>You will get a portion of the money that you win as bonus.</a:t>
-            </a:r>
+              <a:t>You will get a portion of the money that you win as bonus. </a:t>
+            </a:r>
+            <a:r>
+              <a:rPr lang="en-US" sz="3600" dirty="0"/>
+              <a:t>You can earn up to 50¢ each round.</a:t>
+            </a:r>
+          </a:p>
+          <a:p>
+            <a:pPr defTabSz="384047">
+              <a:defRPr sz="3612">
+                <a:solidFill>
+                  <a:srgbClr val="FFFFFF"/>
+                </a:solidFill>
+              </a:defRPr>
+            </a:pPr>
+            <a:endParaRPr lang="en-US" sz="3500" dirty="0"/>
           </a:p>
           <a:p>
             <a:pPr defTabSz="384047">
@@ -20869,8 +20887,8 @@
         </p:nvSpPr>
         <p:spPr>
           <a:xfrm>
-            <a:off x="625501" y="1701339"/>
-            <a:ext cx="11753798" cy="5675060"/>
+            <a:off x="625501" y="1525223"/>
+            <a:ext cx="11753798" cy="6027291"/>
           </a:xfrm>
           <a:prstGeom prst="rect">
             <a:avLst/>
@@ -20880,7 +20898,7 @@
           </a:ln>
           <a:extLst>
             <a:ext uri="{C572A759-6A51-4108-AA02-DFA0A04FC94B}">
-              <ma14:wrappingTextBoxFlag xmlns="" xmlns:m="http://schemas.openxmlformats.org/officeDocument/2006/math" xmlns:a14="http://schemas.microsoft.com/office/drawing/2010/main" xmlns:ma14="http://schemas.microsoft.com/office/mac/drawingml/2011/main" val="1"/>
+              <ma14:wrappingTextBoxFlag xmlns:ma14="http://schemas.microsoft.com/office/mac/drawingml/2011/main" xmlns:a14="http://schemas.microsoft.com/office/drawing/2010/main" xmlns:m="http://schemas.openxmlformats.org/officeDocument/2006/math" xmlns="" val="1"/>
             </a:ext>
           </a:extLst>
         </p:spPr>
@@ -20955,6 +20973,11 @@
               <a:rPr dirty="0"/>
               <a:t>You will get a portion of the money that you win as bonus.</a:t>
             </a:r>
+            <a:r>
+              <a:rPr lang="en-US" dirty="0"/>
+              <a:t> You can earn up to $2 each round.</a:t>
+            </a:r>
+            <a:endParaRPr dirty="0"/>
           </a:p>
           <a:p>
             <a:pPr defTabSz="457200">
@@ -22727,7 +22750,7 @@
           </a:ln>
           <a:extLst>
             <a:ext uri="{C572A759-6A51-4108-AA02-DFA0A04FC94B}">
-              <ma14:wrappingTextBoxFlag xmlns="" xmlns:m="http://schemas.openxmlformats.org/officeDocument/2006/math" xmlns:a14="http://schemas.microsoft.com/office/drawing/2010/main" xmlns:ma14="http://schemas.microsoft.com/office/mac/drawingml/2011/main" val="1"/>
+              <ma14:wrappingTextBoxFlag xmlns:ma14="http://schemas.microsoft.com/office/mac/drawingml/2011/main" xmlns:a14="http://schemas.microsoft.com/office/drawing/2010/main" xmlns:m="http://schemas.openxmlformats.org/officeDocument/2006/math" xmlns="" val="1"/>
             </a:ext>
           </a:extLst>
         </p:spPr>
@@ -22804,7 +22827,7 @@
           </a:ln>
           <a:extLst>
             <a:ext uri="{C572A759-6A51-4108-AA02-DFA0A04FC94B}">
-              <ma14:wrappingTextBoxFlag xmlns="" xmlns:m="http://schemas.openxmlformats.org/officeDocument/2006/math" xmlns:a14="http://schemas.microsoft.com/office/drawing/2010/main" xmlns:ma14="http://schemas.microsoft.com/office/mac/drawingml/2011/main" val="1"/>
+              <ma14:wrappingTextBoxFlag xmlns:ma14="http://schemas.microsoft.com/office/mac/drawingml/2011/main" xmlns:a14="http://schemas.microsoft.com/office/drawing/2010/main" xmlns:m="http://schemas.openxmlformats.org/officeDocument/2006/math" xmlns="" val="1"/>
             </a:ext>
           </a:extLst>
         </p:spPr>
@@ -22898,7 +22921,7 @@
           </a:ln>
           <a:extLst>
             <a:ext uri="{C572A759-6A51-4108-AA02-DFA0A04FC94B}">
-              <ma14:wrappingTextBoxFlag xmlns="" xmlns:m="http://schemas.openxmlformats.org/officeDocument/2006/math" xmlns:a14="http://schemas.microsoft.com/office/drawing/2010/main" xmlns:ma14="http://schemas.microsoft.com/office/mac/drawingml/2011/main" val="1"/>
+              <ma14:wrappingTextBoxFlag xmlns:ma14="http://schemas.microsoft.com/office/mac/drawingml/2011/main" xmlns:a14="http://schemas.microsoft.com/office/drawing/2010/main" xmlns:m="http://schemas.openxmlformats.org/officeDocument/2006/math" xmlns="" val="1"/>
             </a:ext>
           </a:extLst>
         </p:spPr>
@@ -23266,7 +23289,7 @@
           <a:effectLst/>
           <a:extLst>
             <a:ext uri="{C572A759-6A51-4108-AA02-DFA0A04FC94B}">
-              <ma14:wrappingTextBoxFlag xmlns="" xmlns:m="http://schemas.openxmlformats.org/officeDocument/2006/math" xmlns:a14="http://schemas.microsoft.com/office/drawing/2010/main" xmlns:ma14="http://schemas.microsoft.com/office/mac/drawingml/2011/main" val="1"/>
+              <ma14:wrappingTextBoxFlag xmlns:ma14="http://schemas.microsoft.com/office/mac/drawingml/2011/main" xmlns:a14="http://schemas.microsoft.com/office/drawing/2010/main" xmlns:m="http://schemas.openxmlformats.org/officeDocument/2006/math" xmlns="" val="1"/>
             </a:ext>
           </a:extLst>
         </p:spPr>
@@ -23313,7 +23336,7 @@
           <a:effectLst/>
           <a:extLst>
             <a:ext uri="{C572A759-6A51-4108-AA02-DFA0A04FC94B}">
-              <ma14:wrappingTextBoxFlag xmlns="" xmlns:m="http://schemas.openxmlformats.org/officeDocument/2006/math" xmlns:a14="http://schemas.microsoft.com/office/drawing/2010/main" xmlns:ma14="http://schemas.microsoft.com/office/mac/drawingml/2011/main" val="1"/>
+              <ma14:wrappingTextBoxFlag xmlns:ma14="http://schemas.microsoft.com/office/mac/drawingml/2011/main" xmlns:a14="http://schemas.microsoft.com/office/drawing/2010/main" xmlns:m="http://schemas.openxmlformats.org/officeDocument/2006/math" xmlns="" val="1"/>
             </a:ext>
           </a:extLst>
         </p:spPr>

--- a/static/Tools/fMRIDirections.pptx
+++ b/static/Tools/fMRIDirections.pptx
@@ -52,7 +52,7 @@
     <p:sldId id="312" r:id="rId43"/>
     <p:sldId id="314" r:id="rId44"/>
     <p:sldId id="316" r:id="rId45"/>
-    <p:sldId id="319" r:id="rId46"/>
+    <p:sldId id="346" r:id="rId46"/>
     <p:sldId id="321" r:id="rId47"/>
     <p:sldId id="322" r:id="rId48"/>
     <p:sldId id="323" r:id="rId49"/>
@@ -2443,7 +2443,7 @@
           </a:ln>
           <a:extLst>
             <a:ext uri="{C572A759-6A51-4108-AA02-DFA0A04FC94B}">
-              <ma14:wrappingTextBoxFlag xmlns:ma14="http://schemas.microsoft.com/office/mac/drawingml/2011/main" xmlns:a14="http://schemas.microsoft.com/office/drawing/2010/main" xmlns:m="http://schemas.openxmlformats.org/officeDocument/2006/math" xmlns="" val="1"/>
+              <ma14:wrappingTextBoxFlag xmlns="" xmlns:m="http://schemas.openxmlformats.org/officeDocument/2006/math" xmlns:a14="http://schemas.microsoft.com/office/drawing/2010/main" xmlns:ma14="http://schemas.microsoft.com/office/mac/drawingml/2011/main" val="1"/>
             </a:ext>
           </a:extLst>
         </p:spPr>
@@ -2482,7 +2482,7 @@
           </a:ln>
           <a:extLst>
             <a:ext uri="{C572A759-6A51-4108-AA02-DFA0A04FC94B}">
-              <ma14:wrappingTextBoxFlag xmlns:ma14="http://schemas.microsoft.com/office/mac/drawingml/2011/main" xmlns:a14="http://schemas.microsoft.com/office/drawing/2010/main" xmlns:m="http://schemas.openxmlformats.org/officeDocument/2006/math" xmlns="" val="1"/>
+              <ma14:wrappingTextBoxFlag xmlns="" xmlns:m="http://schemas.openxmlformats.org/officeDocument/2006/math" xmlns:a14="http://schemas.microsoft.com/office/drawing/2010/main" xmlns:ma14="http://schemas.microsoft.com/office/mac/drawingml/2011/main" val="1"/>
             </a:ext>
           </a:extLst>
         </p:spPr>
@@ -4841,7 +4841,7 @@
             <a:noFill/>
             <a:extLst>
               <a:ext uri="{909E8E84-426E-40dd-AFC4-6F175D3DCCD1}">
-                <a14:hiddenFill xmlns:a14="http://schemas.microsoft.com/office/drawing/2010/main" xmlns="">
+                <a14:hiddenFill xmlns="" xmlns:a14="http://schemas.microsoft.com/office/drawing/2010/main">
                   <a:solidFill>
                     <a:srgbClr val="FFFFFF"/>
                   </a:solidFill>
@@ -5123,7 +5123,7 @@
             <a:effectLst/>
             <a:extLst>
               <a:ext uri="{C572A759-6A51-4108-AA02-DFA0A04FC94B}">
-                <ma14:wrappingTextBoxFlag xmlns:ma14="http://schemas.microsoft.com/office/mac/drawingml/2011/main" xmlns:a14="http://schemas.microsoft.com/office/drawing/2010/main" xmlns:m="http://schemas.openxmlformats.org/officeDocument/2006/math" xmlns="" val="1"/>
+                <ma14:wrappingTextBoxFlag xmlns="" xmlns:m="http://schemas.openxmlformats.org/officeDocument/2006/math" xmlns:a14="http://schemas.microsoft.com/office/drawing/2010/main" xmlns:ma14="http://schemas.microsoft.com/office/mac/drawingml/2011/main" val="1"/>
               </a:ext>
             </a:extLst>
           </p:spPr>
@@ -5200,7 +5200,7 @@
             <a:effectLst/>
             <a:extLst>
               <a:ext uri="{C572A759-6A51-4108-AA02-DFA0A04FC94B}">
-                <ma14:wrappingTextBoxFlag xmlns:ma14="http://schemas.microsoft.com/office/mac/drawingml/2011/main" xmlns:a14="http://schemas.microsoft.com/office/drawing/2010/main" xmlns:m="http://schemas.openxmlformats.org/officeDocument/2006/math" xmlns="" val="1"/>
+                <ma14:wrappingTextBoxFlag xmlns="" xmlns:m="http://schemas.openxmlformats.org/officeDocument/2006/math" xmlns:a14="http://schemas.microsoft.com/office/drawing/2010/main" xmlns:ma14="http://schemas.microsoft.com/office/mac/drawingml/2011/main" val="1"/>
               </a:ext>
             </a:extLst>
           </p:spPr>
@@ -5668,7 +5668,7 @@
             </a:r>
             <a:r>
               <a:rPr lang="en-US" sz="3600" dirty="0"/>
-              <a:t>You can earn up to $2 each round.</a:t>
+              <a:t>You can earn up to $2 for the game.</a:t>
             </a:r>
           </a:p>
           <a:p>
@@ -5709,7 +5709,7 @@
         </p:nvGrpSpPr>
         <p:grpSpPr>
           <a:xfrm>
-            <a:off x="2751363" y="6162110"/>
+            <a:off x="2751363" y="6654480"/>
             <a:ext cx="3607728" cy="2743200"/>
             <a:chOff x="2147023" y="7093131"/>
             <a:chExt cx="2703146" cy="2055385"/>
@@ -5968,7 +5968,7 @@
             <a:noFill/>
             <a:extLst>
               <a:ext uri="{909E8E84-426E-40dd-AFC4-6F175D3DCCD1}">
-                <a14:hiddenFill xmlns:a14="http://schemas.microsoft.com/office/drawing/2010/main" xmlns="">
+                <a14:hiddenFill xmlns="" xmlns:a14="http://schemas.microsoft.com/office/drawing/2010/main">
                   <a:solidFill>
                     <a:srgbClr val="FFFFFF"/>
                   </a:solidFill>
@@ -5994,7 +5994,7 @@
         </p:nvCxnSpPr>
         <p:spPr>
           <a:xfrm>
-            <a:off x="6350563" y="7556961"/>
+            <a:off x="6350563" y="8031746"/>
             <a:ext cx="366119" cy="0"/>
           </a:xfrm>
           <a:prstGeom prst="straightConnector1">
@@ -6036,7 +6036,7 @@
         </p:nvSpPr>
         <p:spPr>
           <a:xfrm>
-            <a:off x="6946301" y="6162110"/>
+            <a:off x="6946301" y="6654480"/>
             <a:ext cx="3607728" cy="2743200"/>
           </a:xfrm>
           <a:prstGeom prst="rect">
@@ -6105,7 +6105,7 @@
         </p:nvSpPr>
         <p:spPr>
           <a:xfrm>
-            <a:off x="7994677" y="7151986"/>
+            <a:off x="7994677" y="7644356"/>
             <a:ext cx="1638130" cy="753080"/>
           </a:xfrm>
           <a:prstGeom prst="rect">
@@ -6318,8 +6318,8 @@
         </p:nvSpPr>
         <p:spPr>
           <a:xfrm>
-            <a:off x="1270000" y="2034768"/>
-            <a:ext cx="10464800" cy="6456004"/>
+            <a:off x="1270000" y="2901462"/>
+            <a:ext cx="10464800" cy="5589310"/>
           </a:xfrm>
           <a:prstGeom prst="rect">
             <a:avLst/>
@@ -6338,7 +6338,19 @@
             </a:pPr>
             <a:r>
               <a:rPr dirty="0"/>
-              <a:t>You will play 2 rounds of this game.</a:t>
+              <a:t>You will play </a:t>
+            </a:r>
+            <a:r>
+              <a:rPr lang="en-US" dirty="0"/>
+              <a:t>1</a:t>
+            </a:r>
+            <a:r>
+              <a:rPr dirty="0"/>
+              <a:t> round of this game</a:t>
+            </a:r>
+            <a:r>
+              <a:rPr lang="en-US" dirty="0"/>
+              <a:t>, </a:t>
             </a:r>
           </a:p>
           <a:p>
@@ -6349,50 +6361,13 @@
                 </a:solidFill>
               </a:defRPr>
             </a:pPr>
-            <a:endParaRPr dirty="0"/>
-          </a:p>
-          <a:p>
-            <a:pPr>
-              <a:defRPr sz="3500">
-                <a:solidFill>
-                  <a:srgbClr val="FFFFFF"/>
-                </a:solidFill>
-              </a:defRPr>
-            </a:pPr>
+            <a:r>
+              <a:rPr lang="en-US" dirty="0"/>
+              <a:t>for about 5 </a:t>
+            </a:r>
             <a:r>
               <a:rPr dirty="0"/>
-              <a:t>Each round will last about </a:t>
-            </a:r>
-            <a:r>
-              <a:rPr lang="he-IL" dirty="0"/>
-              <a:t>4</a:t>
-            </a:r>
-            <a:r>
-              <a:rPr dirty="0"/>
-              <a:t> minutes.</a:t>
-            </a:r>
-          </a:p>
-          <a:p>
-            <a:pPr>
-              <a:defRPr sz="3500">
-                <a:solidFill>
-                  <a:srgbClr val="FFFFFF"/>
-                </a:solidFill>
-              </a:defRPr>
-            </a:pPr>
-            <a:endParaRPr dirty="0"/>
-          </a:p>
-          <a:p>
-            <a:pPr>
-              <a:defRPr sz="3500">
-                <a:solidFill>
-                  <a:srgbClr val="FFFFFF"/>
-                </a:solidFill>
-              </a:defRPr>
-            </a:pPr>
-            <a:r>
-              <a:rPr dirty="0"/>
-              <a:t>We will check in with you after each round, and you can take a short break.</a:t>
+              <a:t>minutes.</a:t>
             </a:r>
           </a:p>
           <a:p>
@@ -9160,7 +9135,7 @@
             <a:effectLst/>
             <a:extLst>
               <a:ext uri="{C572A759-6A51-4108-AA02-DFA0A04FC94B}">
-                <ma14:wrappingTextBoxFlag xmlns:ma14="http://schemas.microsoft.com/office/mac/drawingml/2011/main" xmlns:a14="http://schemas.microsoft.com/office/drawing/2010/main" xmlns:m="http://schemas.openxmlformats.org/officeDocument/2006/math" xmlns="" val="1"/>
+                <ma14:wrappingTextBoxFlag xmlns="" xmlns:m="http://schemas.openxmlformats.org/officeDocument/2006/math" xmlns:a14="http://schemas.microsoft.com/office/drawing/2010/main" xmlns:ma14="http://schemas.microsoft.com/office/mac/drawingml/2011/main" val="1"/>
               </a:ext>
             </a:extLst>
           </p:spPr>
@@ -9237,7 +9212,7 @@
             <a:effectLst/>
             <a:extLst>
               <a:ext uri="{C572A759-6A51-4108-AA02-DFA0A04FC94B}">
-                <ma14:wrappingTextBoxFlag xmlns:ma14="http://schemas.microsoft.com/office/mac/drawingml/2011/main" xmlns:a14="http://schemas.microsoft.com/office/drawing/2010/main" xmlns:m="http://schemas.openxmlformats.org/officeDocument/2006/math" xmlns="" val="1"/>
+                <ma14:wrappingTextBoxFlag xmlns="" xmlns:m="http://schemas.openxmlformats.org/officeDocument/2006/math" xmlns:a14="http://schemas.microsoft.com/office/drawing/2010/main" xmlns:ma14="http://schemas.microsoft.com/office/mac/drawingml/2011/main" val="1"/>
               </a:ext>
             </a:extLst>
           </p:spPr>
@@ -9606,7 +9581,7 @@
             </a:r>
             <a:r>
               <a:rPr lang="en-US" dirty="0"/>
-              <a:t>1</a:t>
+              <a:t>2</a:t>
             </a:r>
             <a:r>
               <a:rPr dirty="0"/>
@@ -9633,7 +9608,7 @@
             </a:pPr>
             <a:r>
               <a:rPr lang="en-US" dirty="0"/>
-              <a:t>It will </a:t>
+              <a:t>Each will </a:t>
             </a:r>
             <a:r>
               <a:rPr dirty="0"/>
@@ -10318,7 +10293,7 @@
           </a:ln>
           <a:extLst>
             <a:ext uri="{C572A759-6A51-4108-AA02-DFA0A04FC94B}">
-              <ma14:wrappingTextBoxFlag xmlns:ma14="http://schemas.microsoft.com/office/mac/drawingml/2011/main" xmlns:a14="http://schemas.microsoft.com/office/drawing/2010/main" xmlns:m="http://schemas.openxmlformats.org/officeDocument/2006/math" xmlns="" val="1"/>
+              <ma14:wrappingTextBoxFlag xmlns="" xmlns:m="http://schemas.openxmlformats.org/officeDocument/2006/math" xmlns:a14="http://schemas.microsoft.com/office/drawing/2010/main" xmlns:ma14="http://schemas.microsoft.com/office/mac/drawingml/2011/main" val="1"/>
             </a:ext>
           </a:extLst>
         </p:spPr>
@@ -10687,7 +10662,7 @@
             <a:noFill/>
             <a:extLst>
               <a:ext uri="{909E8E84-426E-40dd-AFC4-6F175D3DCCD1}">
-                <a14:hiddenFill xmlns:a14="http://schemas.microsoft.com/office/drawing/2010/main" xmlns="">
+                <a14:hiddenFill xmlns="" xmlns:a14="http://schemas.microsoft.com/office/drawing/2010/main">
                   <a:solidFill>
                     <a:srgbClr val="FFFFFF"/>
                   </a:solidFill>
@@ -11286,7 +11261,7 @@
             </a:ln>
             <a:extLst>
               <a:ext uri="{C572A759-6A51-4108-AA02-DFA0A04FC94B}">
-                <ma14:wrappingTextBoxFlag xmlns:ma14="http://schemas.microsoft.com/office/mac/drawingml/2011/main" xmlns:a14="http://schemas.microsoft.com/office/drawing/2010/main" xmlns:m="http://schemas.openxmlformats.org/officeDocument/2006/math" xmlns="" val="1"/>
+                <ma14:wrappingTextBoxFlag xmlns="" xmlns:m="http://schemas.openxmlformats.org/officeDocument/2006/math" xmlns:a14="http://schemas.microsoft.com/office/drawing/2010/main" xmlns:ma14="http://schemas.microsoft.com/office/mac/drawingml/2011/main" val="1"/>
               </a:ext>
             </a:extLst>
           </p:spPr>
@@ -11655,7 +11630,7 @@
               <a:noFill/>
               <a:extLst>
                 <a:ext uri="{909E8E84-426E-40dd-AFC4-6F175D3DCCD1}">
-                  <a14:hiddenFill xmlns:a14="http://schemas.microsoft.com/office/drawing/2010/main" xmlns="">
+                  <a14:hiddenFill xmlns="" xmlns:a14="http://schemas.microsoft.com/office/drawing/2010/main">
                     <a:solidFill>
                       <a:srgbClr val="FFFFFF"/>
                     </a:solidFill>
@@ -12260,7 +12235,7 @@
             </a:ln>
             <a:extLst>
               <a:ext uri="{C572A759-6A51-4108-AA02-DFA0A04FC94B}">
-                <ma14:wrappingTextBoxFlag xmlns:ma14="http://schemas.microsoft.com/office/mac/drawingml/2011/main" xmlns:a14="http://schemas.microsoft.com/office/drawing/2010/main" xmlns:m="http://schemas.openxmlformats.org/officeDocument/2006/math" xmlns="" val="1"/>
+                <ma14:wrappingTextBoxFlag xmlns="" xmlns:m="http://schemas.openxmlformats.org/officeDocument/2006/math" xmlns:a14="http://schemas.microsoft.com/office/drawing/2010/main" xmlns:ma14="http://schemas.microsoft.com/office/mac/drawingml/2011/main" val="1"/>
               </a:ext>
             </a:extLst>
           </p:spPr>
@@ -12616,7 +12591,7 @@
               <a:noFill/>
               <a:extLst>
                 <a:ext uri="{909E8E84-426E-40dd-AFC4-6F175D3DCCD1}">
-                  <a14:hiddenFill xmlns:a14="http://schemas.microsoft.com/office/drawing/2010/main" xmlns="">
+                  <a14:hiddenFill xmlns="" xmlns:a14="http://schemas.microsoft.com/office/drawing/2010/main">
                     <a:solidFill>
                       <a:srgbClr val="FFFFFF"/>
                     </a:solidFill>
@@ -13782,7 +13757,7 @@
             <a:noFill/>
             <a:extLst>
               <a:ext uri="{909E8E84-426E-40dd-AFC4-6F175D3DCCD1}">
-                <a14:hiddenFill xmlns:a14="http://schemas.microsoft.com/office/drawing/2010/main" xmlns="">
+                <a14:hiddenFill xmlns="" xmlns:a14="http://schemas.microsoft.com/office/drawing/2010/main">
                   <a:solidFill>
                     <a:srgbClr val="FFFFFF"/>
                   </a:solidFill>
@@ -13943,7 +13918,7 @@
             </a:ln>
             <a:extLst>
               <a:ext uri="{C572A759-6A51-4108-AA02-DFA0A04FC94B}">
-                <ma14:wrappingTextBoxFlag xmlns:ma14="http://schemas.microsoft.com/office/mac/drawingml/2011/main" xmlns:a14="http://schemas.microsoft.com/office/drawing/2010/main" xmlns:m="http://schemas.openxmlformats.org/officeDocument/2006/math" xmlns="" val="1"/>
+                <ma14:wrappingTextBoxFlag xmlns="" xmlns:m="http://schemas.openxmlformats.org/officeDocument/2006/math" xmlns:a14="http://schemas.microsoft.com/office/drawing/2010/main" xmlns:ma14="http://schemas.microsoft.com/office/mac/drawingml/2011/main" val="1"/>
               </a:ext>
             </a:extLst>
           </p:spPr>
@@ -15870,7 +15845,7 @@
             </a:ln>
             <a:extLst>
               <a:ext uri="{C572A759-6A51-4108-AA02-DFA0A04FC94B}">
-                <ma14:wrappingTextBoxFlag xmlns:ma14="http://schemas.microsoft.com/office/mac/drawingml/2011/main" xmlns:a14="http://schemas.microsoft.com/office/drawing/2010/main" xmlns:m="http://schemas.openxmlformats.org/officeDocument/2006/math" xmlns="" val="1"/>
+                <ma14:wrappingTextBoxFlag xmlns="" xmlns:m="http://schemas.openxmlformats.org/officeDocument/2006/math" xmlns:a14="http://schemas.microsoft.com/office/drawing/2010/main" xmlns:ma14="http://schemas.microsoft.com/office/mac/drawingml/2011/main" val="1"/>
               </a:ext>
             </a:extLst>
           </p:spPr>
@@ -16226,7 +16201,7 @@
               <a:noFill/>
               <a:extLst>
                 <a:ext uri="{909E8E84-426E-40dd-AFC4-6F175D3DCCD1}">
-                  <a14:hiddenFill xmlns:a14="http://schemas.microsoft.com/office/drawing/2010/main" xmlns="">
+                  <a14:hiddenFill xmlns="" xmlns:a14="http://schemas.microsoft.com/office/drawing/2010/main">
                     <a:solidFill>
                       <a:srgbClr val="FFFFFF"/>
                     </a:solidFill>
@@ -17392,7 +17367,7 @@
             <a:noFill/>
             <a:extLst>
               <a:ext uri="{909E8E84-426E-40dd-AFC4-6F175D3DCCD1}">
-                <a14:hiddenFill xmlns:a14="http://schemas.microsoft.com/office/drawing/2010/main" xmlns="">
+                <a14:hiddenFill xmlns="" xmlns:a14="http://schemas.microsoft.com/office/drawing/2010/main">
                   <a:solidFill>
                     <a:srgbClr val="FFFFFF"/>
                   </a:solidFill>
@@ -18087,7 +18062,7 @@
             <a:noFill/>
             <a:extLst>
               <a:ext uri="{909E8E84-426E-40dd-AFC4-6F175D3DCCD1}">
-                <a14:hiddenFill xmlns:a14="http://schemas.microsoft.com/office/drawing/2010/main" xmlns="">
+                <a14:hiddenFill xmlns="" xmlns:a14="http://schemas.microsoft.com/office/drawing/2010/main">
                   <a:solidFill>
                     <a:srgbClr val="FFFFFF"/>
                   </a:solidFill>
@@ -18698,7 +18673,7 @@
             </a:r>
             <a:r>
               <a:rPr lang="en-US" sz="3600" dirty="0"/>
-              <a:t>You can earn up to 50¢ each round.</a:t>
+              <a:t>You can earn up to 50¢ this game.</a:t>
             </a:r>
           </a:p>
           <a:p>
@@ -18988,7 +18963,7 @@
             <a:noFill/>
             <a:extLst>
               <a:ext uri="{909E8E84-426E-40dd-AFC4-6F175D3DCCD1}">
-                <a14:hiddenFill xmlns:a14="http://schemas.microsoft.com/office/drawing/2010/main" xmlns="">
+                <a14:hiddenFill xmlns="" xmlns:a14="http://schemas.microsoft.com/office/drawing/2010/main">
                   <a:solidFill>
                     <a:srgbClr val="FFFFFF"/>
                   </a:solidFill>
@@ -19335,7 +19310,7 @@
         </p:nvSpPr>
         <p:spPr>
           <a:xfrm>
-            <a:off x="1270000" y="3141044"/>
+            <a:off x="1270000" y="3650998"/>
             <a:ext cx="10464800" cy="3471512"/>
           </a:xfrm>
           <a:prstGeom prst="rect">
@@ -19354,16 +19329,8 @@
               </a:defRPr>
             </a:pPr>
             <a:r>
-              <a:rPr dirty="0"/>
-              <a:t>You will play </a:t>
-            </a:r>
-            <a:r>
               <a:rPr lang="en-US" dirty="0"/>
-              <a:t>2</a:t>
-            </a:r>
-            <a:r>
-              <a:rPr dirty="0"/>
-              <a:t> rounds of this game.</a:t>
+              <a:t>You will play 1 round of this game.</a:t>
             </a:r>
           </a:p>
           <a:p>
@@ -19374,7 +19341,7 @@
                 </a:solidFill>
               </a:defRPr>
             </a:pPr>
-            <a:endParaRPr dirty="0"/>
+            <a:endParaRPr lang="en-US" dirty="0"/>
           </a:p>
           <a:p>
             <a:pPr>
@@ -19385,43 +19352,8 @@
               </a:defRPr>
             </a:pPr>
             <a:r>
-              <a:rPr dirty="0"/>
-              <a:t>Each round will last about </a:t>
-            </a:r>
-            <a:r>
               <a:rPr lang="en-US" dirty="0"/>
-              <a:t>4</a:t>
-            </a:r>
-            <a:r>
-              <a:rPr dirty="0"/>
-              <a:t> minutes.</a:t>
-            </a:r>
-          </a:p>
-          <a:p>
-            <a:pPr>
-              <a:defRPr sz="3500">
-                <a:solidFill>
-                  <a:srgbClr val="FFFFFF"/>
-                </a:solidFill>
-              </a:defRPr>
-            </a:pPr>
-            <a:endParaRPr dirty="0"/>
-          </a:p>
-          <a:p>
-            <a:pPr>
-              <a:defRPr sz="3500">
-                <a:solidFill>
-                  <a:srgbClr val="FFFFFF"/>
-                </a:solidFill>
-              </a:defRPr>
-            </a:pPr>
-            <a:r>
-              <a:rPr lang="en-US" dirty="0"/>
-              <a:t>After each round, you can take </a:t>
-            </a:r>
-            <a:r>
-              <a:rPr dirty="0"/>
-              <a:t>a short break.</a:t>
+              <a:t>It will last about 5 minutes.</a:t>
             </a:r>
           </a:p>
         </p:txBody>
@@ -19429,7 +19361,7 @@
     </p:spTree>
     <p:extLst>
       <p:ext uri="{BB962C8B-B14F-4D97-AF65-F5344CB8AC3E}">
-        <p14:creationId xmlns:p14="http://schemas.microsoft.com/office/powerpoint/2010/main" val="4272064360"/>
+        <p14:creationId xmlns:p14="http://schemas.microsoft.com/office/powerpoint/2010/main" val="2284072435"/>
       </p:ext>
     </p:extLst>
   </p:cSld>
@@ -20898,7 +20830,7 @@
           </a:ln>
           <a:extLst>
             <a:ext uri="{C572A759-6A51-4108-AA02-DFA0A04FC94B}">
-              <ma14:wrappingTextBoxFlag xmlns:ma14="http://schemas.microsoft.com/office/mac/drawingml/2011/main" xmlns:a14="http://schemas.microsoft.com/office/drawing/2010/main" xmlns:m="http://schemas.openxmlformats.org/officeDocument/2006/math" xmlns="" val="1"/>
+              <ma14:wrappingTextBoxFlag xmlns="" xmlns:m="http://schemas.openxmlformats.org/officeDocument/2006/math" xmlns:a14="http://schemas.microsoft.com/office/drawing/2010/main" xmlns:ma14="http://schemas.microsoft.com/office/mac/drawingml/2011/main" val="1"/>
             </a:ext>
           </a:extLst>
         </p:spPr>
@@ -22426,7 +22358,7 @@
         </p:nvSpPr>
         <p:spPr>
           <a:xfrm>
-            <a:off x="1270000" y="3141044"/>
+            <a:off x="1270000" y="3650998"/>
             <a:ext cx="10464800" cy="3471512"/>
           </a:xfrm>
           <a:prstGeom prst="rect">
@@ -22446,7 +22378,7 @@
             </a:pPr>
             <a:r>
               <a:rPr lang="en-US" dirty="0"/>
-              <a:t>You will play 1 rounds of this game.</a:t>
+              <a:t>You will play 2 rounds of this game.</a:t>
             </a:r>
           </a:p>
           <a:p>
@@ -22469,7 +22401,7 @@
             </a:pPr>
             <a:r>
               <a:rPr lang="en-US" dirty="0"/>
-              <a:t>It will last about 4 minutes.</a:t>
+              <a:t>Each will last about 4 minutes.</a:t>
             </a:r>
           </a:p>
         </p:txBody>
@@ -22750,7 +22682,7 @@
           </a:ln>
           <a:extLst>
             <a:ext uri="{C572A759-6A51-4108-AA02-DFA0A04FC94B}">
-              <ma14:wrappingTextBoxFlag xmlns:ma14="http://schemas.microsoft.com/office/mac/drawingml/2011/main" xmlns:a14="http://schemas.microsoft.com/office/drawing/2010/main" xmlns:m="http://schemas.openxmlformats.org/officeDocument/2006/math" xmlns="" val="1"/>
+              <ma14:wrappingTextBoxFlag xmlns="" xmlns:m="http://schemas.openxmlformats.org/officeDocument/2006/math" xmlns:a14="http://schemas.microsoft.com/office/drawing/2010/main" xmlns:ma14="http://schemas.microsoft.com/office/mac/drawingml/2011/main" val="1"/>
             </a:ext>
           </a:extLst>
         </p:spPr>
@@ -22827,7 +22759,7 @@
           </a:ln>
           <a:extLst>
             <a:ext uri="{C572A759-6A51-4108-AA02-DFA0A04FC94B}">
-              <ma14:wrappingTextBoxFlag xmlns:ma14="http://schemas.microsoft.com/office/mac/drawingml/2011/main" xmlns:a14="http://schemas.microsoft.com/office/drawing/2010/main" xmlns:m="http://schemas.openxmlformats.org/officeDocument/2006/math" xmlns="" val="1"/>
+              <ma14:wrappingTextBoxFlag xmlns="" xmlns:m="http://schemas.openxmlformats.org/officeDocument/2006/math" xmlns:a14="http://schemas.microsoft.com/office/drawing/2010/main" xmlns:ma14="http://schemas.microsoft.com/office/mac/drawingml/2011/main" val="1"/>
             </a:ext>
           </a:extLst>
         </p:spPr>
@@ -22921,7 +22853,7 @@
           </a:ln>
           <a:extLst>
             <a:ext uri="{C572A759-6A51-4108-AA02-DFA0A04FC94B}">
-              <ma14:wrappingTextBoxFlag xmlns:ma14="http://schemas.microsoft.com/office/mac/drawingml/2011/main" xmlns:a14="http://schemas.microsoft.com/office/drawing/2010/main" xmlns:m="http://schemas.openxmlformats.org/officeDocument/2006/math" xmlns="" val="1"/>
+              <ma14:wrappingTextBoxFlag xmlns="" xmlns:m="http://schemas.openxmlformats.org/officeDocument/2006/math" xmlns:a14="http://schemas.microsoft.com/office/drawing/2010/main" xmlns:ma14="http://schemas.microsoft.com/office/mac/drawingml/2011/main" val="1"/>
             </a:ext>
           </a:extLst>
         </p:spPr>
@@ -23289,7 +23221,7 @@
           <a:effectLst/>
           <a:extLst>
             <a:ext uri="{C572A759-6A51-4108-AA02-DFA0A04FC94B}">
-              <ma14:wrappingTextBoxFlag xmlns:ma14="http://schemas.microsoft.com/office/mac/drawingml/2011/main" xmlns:a14="http://schemas.microsoft.com/office/drawing/2010/main" xmlns:m="http://schemas.openxmlformats.org/officeDocument/2006/math" xmlns="" val="1"/>
+              <ma14:wrappingTextBoxFlag xmlns="" xmlns:m="http://schemas.openxmlformats.org/officeDocument/2006/math" xmlns:a14="http://schemas.microsoft.com/office/drawing/2010/main" xmlns:ma14="http://schemas.microsoft.com/office/mac/drawingml/2011/main" val="1"/>
             </a:ext>
           </a:extLst>
         </p:spPr>
@@ -23336,7 +23268,7 @@
           <a:effectLst/>
           <a:extLst>
             <a:ext uri="{C572A759-6A51-4108-AA02-DFA0A04FC94B}">
-              <ma14:wrappingTextBoxFlag xmlns:ma14="http://schemas.microsoft.com/office/mac/drawingml/2011/main" xmlns:a14="http://schemas.microsoft.com/office/drawing/2010/main" xmlns:m="http://schemas.openxmlformats.org/officeDocument/2006/math" xmlns="" val="1"/>
+              <ma14:wrappingTextBoxFlag xmlns="" xmlns:m="http://schemas.openxmlformats.org/officeDocument/2006/math" xmlns:a14="http://schemas.microsoft.com/office/drawing/2010/main" xmlns:ma14="http://schemas.microsoft.com/office/mac/drawingml/2011/main" val="1"/>
             </a:ext>
           </a:extLst>
         </p:spPr>

--- a/static/Tools/fMRIDirections.pptx
+++ b/static/Tools/fMRIDirections.pptx
@@ -23,8 +23,8 @@
     <p:sldId id="264" r:id="rId14"/>
     <p:sldId id="265" r:id="rId15"/>
     <p:sldId id="266" r:id="rId16"/>
-    <p:sldId id="283" r:id="rId17"/>
-    <p:sldId id="268" r:id="rId18"/>
+    <p:sldId id="268" r:id="rId17"/>
+    <p:sldId id="283" r:id="rId18"/>
     <p:sldId id="269" r:id="rId19"/>
     <p:sldId id="293" r:id="rId20"/>
     <p:sldId id="271" r:id="rId21"/>
@@ -2443,7 +2443,7 @@
           </a:ln>
           <a:extLst>
             <a:ext uri="{C572A759-6A51-4108-AA02-DFA0A04FC94B}">
-              <ma14:wrappingTextBoxFlag xmlns="" xmlns:m="http://schemas.openxmlformats.org/officeDocument/2006/math" xmlns:a14="http://schemas.microsoft.com/office/drawing/2010/main" xmlns:ma14="http://schemas.microsoft.com/office/mac/drawingml/2011/main" val="1"/>
+              <ma14:wrappingTextBoxFlag xmlns:ma14="http://schemas.microsoft.com/office/mac/drawingml/2011/main" xmlns:a14="http://schemas.microsoft.com/office/drawing/2010/main" xmlns:m="http://schemas.openxmlformats.org/officeDocument/2006/math" xmlns="" val="1"/>
             </a:ext>
           </a:extLst>
         </p:spPr>
@@ -2482,7 +2482,7 @@
           </a:ln>
           <a:extLst>
             <a:ext uri="{C572A759-6A51-4108-AA02-DFA0A04FC94B}">
-              <ma14:wrappingTextBoxFlag xmlns="" xmlns:m="http://schemas.openxmlformats.org/officeDocument/2006/math" xmlns:a14="http://schemas.microsoft.com/office/drawing/2010/main" xmlns:ma14="http://schemas.microsoft.com/office/mac/drawingml/2011/main" val="1"/>
+              <ma14:wrappingTextBoxFlag xmlns:ma14="http://schemas.microsoft.com/office/mac/drawingml/2011/main" xmlns:a14="http://schemas.microsoft.com/office/drawing/2010/main" xmlns:m="http://schemas.openxmlformats.org/officeDocument/2006/math" xmlns="" val="1"/>
             </a:ext>
           </a:extLst>
         </p:spPr>
@@ -3613,7 +3613,7 @@
         </p:nvSpPr>
         <p:spPr>
           <a:xfrm>
-            <a:off x="600139" y="1144437"/>
+            <a:off x="600139" y="886933"/>
             <a:ext cx="11885762" cy="4305916"/>
           </a:xfrm>
           <a:prstGeom prst="rect">
@@ -3687,7 +3687,7 @@
                 <a:latin typeface="Arial" panose="020B0604020202020204" pitchFamily="34" charset="0"/>
                 <a:cs typeface="Arial" panose="020B0604020202020204" pitchFamily="34" charset="0"/>
               </a:rPr>
-              <a:t>You may verbally say any number between 0 to 100. </a:t>
+              <a:t>Please say aloud any number between 0 to 100, and say the digits one at a time (for 83, say: “eight, three”)</a:t>
             </a:r>
           </a:p>
           <a:p>
@@ -3786,7 +3786,7 @@
         </p:nvSpPr>
         <p:spPr>
           <a:xfrm>
-            <a:off x="4712643" y="6738957"/>
+            <a:off x="4712643" y="7178576"/>
             <a:ext cx="3212217" cy="2146252"/>
           </a:xfrm>
           <a:prstGeom prst="rect">
@@ -3855,7 +3855,7 @@
         </p:nvSpPr>
         <p:spPr>
           <a:xfrm>
-            <a:off x="4914699" y="6997157"/>
+            <a:off x="4914699" y="7436776"/>
             <a:ext cx="2876539" cy="486287"/>
           </a:xfrm>
           <a:prstGeom prst="rect">
@@ -3905,7 +3905,7 @@
         </p:nvSpPr>
         <p:spPr>
           <a:xfrm>
-            <a:off x="4914699" y="7504343"/>
+            <a:off x="4914699" y="7943962"/>
             <a:ext cx="2883356" cy="420564"/>
           </a:xfrm>
           <a:prstGeom prst="rect">
@@ -3944,7 +3944,7 @@
         </p:nvSpPr>
         <p:spPr>
           <a:xfrm>
-            <a:off x="6094485" y="8106846"/>
+            <a:off x="6094485" y="8546465"/>
             <a:ext cx="448535" cy="429297"/>
           </a:xfrm>
           <a:prstGeom prst="rect">
@@ -4139,7 +4139,7 @@
             </a:pPr>
             <a:r>
               <a:rPr lang="en-US" sz="3500" dirty="0"/>
-              <a:t>When you are ready to start please press your pointer finger.</a:t>
+              <a:t>We will now start the task.</a:t>
             </a:r>
             <a:endParaRPr sz="3500" dirty="0"/>
           </a:p>
@@ -4841,7 +4841,7 @@
             <a:noFill/>
             <a:extLst>
               <a:ext uri="{909E8E84-426E-40dd-AFC4-6F175D3DCCD1}">
-                <a14:hiddenFill xmlns="" xmlns:a14="http://schemas.microsoft.com/office/drawing/2010/main">
+                <a14:hiddenFill xmlns:a14="http://schemas.microsoft.com/office/drawing/2010/main" xmlns="">
                   <a:solidFill>
                     <a:srgbClr val="FFFFFF"/>
                   </a:solidFill>
@@ -4861,581 +4861,6 @@
 </file>
 
 <file path=ppt/slides/slide16.xml><?xml version="1.0" encoding="utf-8"?>
-<p:sld xmlns:a="http://schemas.openxmlformats.org/drawingml/2006/main" xmlns:r="http://schemas.openxmlformats.org/officeDocument/2006/relationships" xmlns:p="http://schemas.openxmlformats.org/presentationml/2006/main">
-  <p:cSld>
-    <p:bg>
-      <p:bgPr>
-        <a:solidFill>
-          <a:srgbClr val="808080"/>
-        </a:solidFill>
-        <a:effectLst/>
-      </p:bgPr>
-    </p:bg>
-    <p:spTree>
-      <p:nvGrpSpPr>
-        <p:cNvPr id="1" name=""/>
-        <p:cNvGrpSpPr/>
-        <p:nvPr/>
-      </p:nvGrpSpPr>
-      <p:grpSpPr>
-        <a:xfrm>
-          <a:off x="0" y="0"/>
-          <a:ext cx="0" cy="0"/>
-          <a:chOff x="0" y="0"/>
-          <a:chExt cx="0" cy="0"/>
-        </a:xfrm>
-      </p:grpSpPr>
-      <p:sp>
-        <p:nvSpPr>
-          <p:cNvPr id="9" name="Rectangle 8">
-            <a:extLst>
-              <a:ext uri="{FF2B5EF4-FFF2-40B4-BE49-F238E27FC236}">
-                <a16:creationId xmlns:a16="http://schemas.microsoft.com/office/drawing/2014/main" id="{46F7810C-C958-1C49-A853-3CD953ED5CF5}"/>
-              </a:ext>
-            </a:extLst>
-          </p:cNvPr>
-          <p:cNvSpPr/>
-          <p:nvPr/>
-        </p:nvSpPr>
-        <p:spPr>
-          <a:xfrm>
-            <a:off x="0" y="0"/>
-            <a:ext cx="13004800" cy="9753600"/>
-          </a:xfrm>
-          <a:prstGeom prst="rect">
-            <a:avLst/>
-          </a:prstGeom>
-          <a:solidFill>
-            <a:srgbClr val="808080"/>
-          </a:solidFill>
-          <a:ln w="12700" cap="flat">
-            <a:noFill/>
-            <a:miter lim="400000"/>
-          </a:ln>
-          <a:effectLst/>
-          <a:sp3d/>
-        </p:spPr>
-        <p:style>
-          <a:lnRef idx="0">
-            <a:scrgbClr r="0" g="0" b="0"/>
-          </a:lnRef>
-          <a:fillRef idx="0">
-            <a:scrgbClr r="0" g="0" b="0"/>
-          </a:fillRef>
-          <a:effectRef idx="0">
-            <a:scrgbClr r="0" g="0" b="0"/>
-          </a:effectRef>
-          <a:fontRef idx="none"/>
-        </p:style>
-        <p:txBody>
-          <a:bodyPr rot="0" spcFirstLastPara="1" vertOverflow="overflow" horzOverflow="overflow" vert="horz" wrap="square" lIns="50800" tIns="50800" rIns="50800" bIns="50800" numCol="1" spcCol="38100" rtlCol="0" anchor="ctr">
-            <a:spAutoFit/>
-          </a:bodyPr>
-          <a:lstStyle/>
-          <a:p>
-            <a:pPr marL="0" marR="0" indent="0" algn="ctr" defTabSz="584200" rtl="0" fontAlgn="auto" latinLnBrk="0" hangingPunct="0">
-              <a:lnSpc>
-                <a:spcPct val="100000"/>
-              </a:lnSpc>
-              <a:spcBef>
-                <a:spcPts val="0"/>
-              </a:spcBef>
-              <a:spcAft>
-                <a:spcPts val="0"/>
-              </a:spcAft>
-              <a:buClrTx/>
-              <a:buSzTx/>
-              <a:buFontTx/>
-              <a:buNone/>
-              <a:tabLst/>
-            </a:pPr>
-            <a:endParaRPr kumimoji="0" lang="en-US" sz="2200" b="1" i="0" u="none" strike="noStrike" cap="none" spc="0" normalizeH="0" baseline="0">
-              <a:ln>
-                <a:noFill/>
-              </a:ln>
-              <a:solidFill>
-                <a:srgbClr val="FFFFFF"/>
-              </a:solidFill>
-              <a:effectLst/>
-              <a:uFillTx/>
-              <a:latin typeface="+mn-lt"/>
-              <a:ea typeface="+mn-ea"/>
-              <a:cs typeface="+mn-cs"/>
-              <a:sym typeface="Arial"/>
-            </a:endParaRPr>
-          </a:p>
-        </p:txBody>
-      </p:sp>
-      <p:sp>
-        <p:nvSpPr>
-          <p:cNvPr id="136" name="To choose the left object, press your pointer finger.…"/>
-          <p:cNvSpPr txBox="1">
-            <a:spLocks noGrp="1"/>
-          </p:cNvSpPr>
-          <p:nvPr>
-            <p:ph type="subTitle" sz="half" idx="1"/>
-          </p:nvPr>
-        </p:nvSpPr>
-        <p:spPr>
-          <a:xfrm>
-            <a:off x="1108075" y="986345"/>
-            <a:ext cx="10788650" cy="4659291"/>
-          </a:xfrm>
-          <a:prstGeom prst="rect">
-            <a:avLst/>
-          </a:prstGeom>
-        </p:spPr>
-        <p:txBody>
-          <a:bodyPr>
-            <a:noAutofit/>
-          </a:bodyPr>
-          <a:lstStyle/>
-          <a:p>
-            <a:pPr defTabSz="452627">
-              <a:defRPr sz="3465">
-                <a:solidFill>
-                  <a:srgbClr val="FFFFFF"/>
-                </a:solidFill>
-              </a:defRPr>
-            </a:pPr>
-            <a:r>
-              <a:rPr sz="3500" dirty="0"/>
-              <a:t>To choose the left object, press your pointer finger.</a:t>
-            </a:r>
-            <a:endParaRPr sz="3500" dirty="0">
-              <a:solidFill>
-                <a:srgbClr val="000000"/>
-              </a:solidFill>
-            </a:endParaRPr>
-          </a:p>
-          <a:p>
-            <a:pPr defTabSz="452627">
-              <a:defRPr sz="3465">
-                <a:solidFill>
-                  <a:srgbClr val="FFFFFF"/>
-                </a:solidFill>
-              </a:defRPr>
-            </a:pPr>
-            <a:r>
-              <a:rPr sz="3500" dirty="0"/>
-              <a:t>To choose the right object, press your middle finger.</a:t>
-            </a:r>
-            <a:endParaRPr sz="3500" dirty="0">
-              <a:solidFill>
-                <a:srgbClr val="000000"/>
-              </a:solidFill>
-            </a:endParaRPr>
-          </a:p>
-          <a:p>
-            <a:pPr defTabSz="452627">
-              <a:defRPr sz="3465"/>
-            </a:pPr>
-            <a:endParaRPr sz="3500" dirty="0">
-              <a:solidFill>
-                <a:srgbClr val="000000"/>
-              </a:solidFill>
-            </a:endParaRPr>
-          </a:p>
-          <a:p>
-            <a:pPr defTabSz="452627">
-              <a:defRPr sz="3465">
-                <a:solidFill>
-                  <a:srgbClr val="FFFFFF"/>
-                </a:solidFill>
-              </a:defRPr>
-            </a:pPr>
-            <a:r>
-              <a:rPr sz="3500" dirty="0"/>
-              <a:t>You will have </a:t>
-            </a:r>
-            <a:r>
-              <a:rPr sz="3500" u="sng" dirty="0"/>
-              <a:t>up to 1.5 seconds</a:t>
-            </a:r>
-            <a:r>
-              <a:rPr sz="3500" dirty="0"/>
-              <a:t> to make your choice. </a:t>
-            </a:r>
-            <a:endParaRPr sz="3500" dirty="0">
-              <a:solidFill>
-                <a:srgbClr val="000000"/>
-              </a:solidFill>
-            </a:endParaRPr>
-          </a:p>
-          <a:p>
-            <a:pPr defTabSz="452627">
-              <a:defRPr sz="3465"/>
-            </a:pPr>
-            <a:endParaRPr sz="3500" dirty="0">
-              <a:solidFill>
-                <a:srgbClr val="000000"/>
-              </a:solidFill>
-            </a:endParaRPr>
-          </a:p>
-          <a:p>
-            <a:pPr defTabSz="452627">
-              <a:defRPr sz="3465">
-                <a:solidFill>
-                  <a:srgbClr val="FFFFFF"/>
-                </a:solidFill>
-              </a:defRPr>
-            </a:pPr>
-            <a:r>
-              <a:rPr lang="en-US" sz="3500" dirty="0"/>
-              <a:t>If you are too slow, you will not earn bonus money for that decision.</a:t>
-            </a:r>
-          </a:p>
-        </p:txBody>
-      </p:sp>
-      <p:grpSp>
-        <p:nvGrpSpPr>
-          <p:cNvPr id="142" name="Group"/>
-          <p:cNvGrpSpPr/>
-          <p:nvPr/>
-        </p:nvGrpSpPr>
-        <p:grpSpPr>
-          <a:xfrm>
-            <a:off x="4101205" y="5552995"/>
-            <a:ext cx="5601927" cy="3670909"/>
-            <a:chOff x="-14288" y="-452317"/>
-            <a:chExt cx="5601926" cy="3670907"/>
-          </a:xfrm>
-        </p:grpSpPr>
-        <p:sp>
-          <p:nvSpPr>
-            <p:cNvPr id="138" name="Choose Left"/>
-            <p:cNvSpPr txBox="1"/>
-            <p:nvPr/>
-          </p:nvSpPr>
-          <p:spPr>
-            <a:xfrm>
-              <a:off x="2613918" y="-452317"/>
-              <a:ext cx="2165000" cy="471924"/>
-            </a:xfrm>
-            <a:prstGeom prst="rect">
-              <a:avLst/>
-            </a:prstGeom>
-            <a:noFill/>
-            <a:ln w="12700" cap="flat">
-              <a:noFill/>
-              <a:miter lim="400000"/>
-            </a:ln>
-            <a:effectLst/>
-            <a:extLst>
-              <a:ext uri="{C572A759-6A51-4108-AA02-DFA0A04FC94B}">
-                <ma14:wrappingTextBoxFlag xmlns="" xmlns:m="http://schemas.openxmlformats.org/officeDocument/2006/math" xmlns:a14="http://schemas.microsoft.com/office/drawing/2010/main" xmlns:ma14="http://schemas.microsoft.com/office/mac/drawingml/2011/main" val="1"/>
-              </a:ext>
-            </a:extLst>
-          </p:spPr>
-          <p:txBody>
-            <a:bodyPr wrap="square" lIns="50800" tIns="50800" rIns="50800" bIns="50800" numCol="1" anchor="ctr">
-              <a:spAutoFit/>
-            </a:bodyPr>
-            <a:lstStyle>
-              <a:lvl1pPr>
-                <a:defRPr>
-                  <a:solidFill>
-                    <a:srgbClr val="FFFFFF"/>
-                  </a:solidFill>
-                </a:defRPr>
-              </a:lvl1pPr>
-            </a:lstStyle>
-            <a:p>
-              <a:pPr marL="0" marR="0" lvl="0" indent="0" algn="ctr" defTabSz="584200" rtl="0" eaLnBrk="1" fontAlgn="auto" latinLnBrk="0" hangingPunct="0">
-                <a:lnSpc>
-                  <a:spcPct val="100000"/>
-                </a:lnSpc>
-                <a:spcBef>
-                  <a:spcPts val="0"/>
-                </a:spcBef>
-                <a:spcAft>
-                  <a:spcPts val="0"/>
-                </a:spcAft>
-                <a:buClrTx/>
-                <a:buSzTx/>
-                <a:buFontTx/>
-                <a:buNone/>
-                <a:tabLst/>
-                <a:defRPr/>
-              </a:pPr>
-              <a:r>
-                <a:rPr kumimoji="0" sz="2400" b="1" i="0" u="none" strike="noStrike" kern="0" cap="none" spc="0" normalizeH="0" baseline="0" noProof="0" dirty="0">
-                  <a:ln>
-                    <a:noFill/>
-                  </a:ln>
-                  <a:solidFill>
-                    <a:srgbClr val="FFFFFF"/>
-                  </a:solidFill>
-                  <a:effectLst/>
-                  <a:uLnTx/>
-                  <a:uFillTx/>
-                  <a:latin typeface="Arial"/>
-                  <a:cs typeface="Arial"/>
-                  <a:sym typeface="Arial"/>
-                </a:rPr>
-                <a:t>Choose Left</a:t>
-              </a:r>
-            </a:p>
-          </p:txBody>
-        </p:sp>
-        <p:sp>
-          <p:nvSpPr>
-            <p:cNvPr id="139" name="Choose Right"/>
-            <p:cNvSpPr txBox="1"/>
-            <p:nvPr/>
-          </p:nvSpPr>
-          <p:spPr>
-            <a:xfrm>
-              <a:off x="3185666" y="386171"/>
-              <a:ext cx="2401972" cy="471924"/>
-            </a:xfrm>
-            <a:prstGeom prst="rect">
-              <a:avLst/>
-            </a:prstGeom>
-            <a:noFill/>
-            <a:ln w="12700" cap="flat">
-              <a:noFill/>
-              <a:miter lim="400000"/>
-            </a:ln>
-            <a:effectLst/>
-            <a:extLst>
-              <a:ext uri="{C572A759-6A51-4108-AA02-DFA0A04FC94B}">
-                <ma14:wrappingTextBoxFlag xmlns="" xmlns:m="http://schemas.openxmlformats.org/officeDocument/2006/math" xmlns:a14="http://schemas.microsoft.com/office/drawing/2010/main" xmlns:ma14="http://schemas.microsoft.com/office/mac/drawingml/2011/main" val="1"/>
-              </a:ext>
-            </a:extLst>
-          </p:spPr>
-          <p:txBody>
-            <a:bodyPr wrap="square" lIns="50800" tIns="50800" rIns="50800" bIns="50800" numCol="1" anchor="ctr">
-              <a:spAutoFit/>
-            </a:bodyPr>
-            <a:lstStyle>
-              <a:lvl1pPr>
-                <a:defRPr>
-                  <a:solidFill>
-                    <a:srgbClr val="FFFFFF"/>
-                  </a:solidFill>
-                </a:defRPr>
-              </a:lvl1pPr>
-            </a:lstStyle>
-            <a:p>
-              <a:pPr marL="0" marR="0" lvl="0" indent="0" algn="ctr" defTabSz="584200" rtl="0" eaLnBrk="1" fontAlgn="auto" latinLnBrk="0" hangingPunct="0">
-                <a:lnSpc>
-                  <a:spcPct val="100000"/>
-                </a:lnSpc>
-                <a:spcBef>
-                  <a:spcPts val="0"/>
-                </a:spcBef>
-                <a:spcAft>
-                  <a:spcPts val="0"/>
-                </a:spcAft>
-                <a:buClrTx/>
-                <a:buSzTx/>
-                <a:buFontTx/>
-                <a:buNone/>
-                <a:tabLst/>
-                <a:defRPr/>
-              </a:pPr>
-              <a:r>
-                <a:rPr kumimoji="0" sz="2400" b="1" i="0" u="none" strike="noStrike" kern="0" cap="none" spc="0" normalizeH="0" baseline="0" noProof="0" dirty="0">
-                  <a:ln>
-                    <a:noFill/>
-                  </a:ln>
-                  <a:solidFill>
-                    <a:srgbClr val="FFFFFF"/>
-                  </a:solidFill>
-                  <a:effectLst/>
-                  <a:uLnTx/>
-                  <a:uFillTx/>
-                  <a:latin typeface="Arial"/>
-                  <a:cs typeface="Arial"/>
-                  <a:sym typeface="Arial"/>
-                </a:rPr>
-                <a:t>Choose Right</a:t>
-              </a:r>
-            </a:p>
-          </p:txBody>
-        </p:sp>
-        <p:sp>
-          <p:nvSpPr>
-            <p:cNvPr id="140" name="Line"/>
-            <p:cNvSpPr/>
-            <p:nvPr/>
-          </p:nvSpPr>
-          <p:spPr>
-            <a:xfrm flipV="1">
-              <a:off x="2241982" y="-95309"/>
-              <a:ext cx="451835" cy="353298"/>
-            </a:xfrm>
-            <a:prstGeom prst="line">
-              <a:avLst/>
-            </a:prstGeom>
-            <a:noFill/>
-            <a:ln w="25400" cap="flat">
-              <a:solidFill>
-                <a:srgbClr val="FFFFFF"/>
-              </a:solidFill>
-              <a:prstDash val="solid"/>
-              <a:miter lim="400000"/>
-            </a:ln>
-            <a:effectLst/>
-          </p:spPr>
-          <p:txBody>
-            <a:bodyPr wrap="square" lIns="50800" tIns="50800" rIns="50800" bIns="50800" numCol="1" anchor="ctr">
-              <a:noAutofit/>
-            </a:bodyPr>
-            <a:lstStyle/>
-            <a:p>
-              <a:pPr marL="0" marR="0" lvl="0" indent="0" algn="ctr" defTabSz="584200" rtl="0" eaLnBrk="1" fontAlgn="auto" latinLnBrk="0" hangingPunct="0">
-                <a:lnSpc>
-                  <a:spcPct val="100000"/>
-                </a:lnSpc>
-                <a:spcBef>
-                  <a:spcPts val="0"/>
-                </a:spcBef>
-                <a:spcAft>
-                  <a:spcPts val="0"/>
-                </a:spcAft>
-                <a:buClrTx/>
-                <a:buSzTx/>
-                <a:buFontTx/>
-                <a:buNone/>
-                <a:tabLst/>
-                <a:defRPr sz="2200">
-                  <a:solidFill>
-                    <a:srgbClr val="FFFFFF"/>
-                  </a:solidFill>
-                </a:defRPr>
-              </a:pPr>
-              <a:endParaRPr kumimoji="0" sz="2200" b="1" i="0" u="none" strike="noStrike" kern="0" cap="none" spc="0" normalizeH="0" baseline="0" noProof="0" dirty="0">
-                <a:ln>
-                  <a:noFill/>
-                </a:ln>
-                <a:solidFill>
-                  <a:srgbClr val="FFFFFF"/>
-                </a:solidFill>
-                <a:effectLst/>
-                <a:uLnTx/>
-                <a:uFillTx/>
-                <a:latin typeface="Arial"/>
-                <a:cs typeface="Arial"/>
-                <a:sym typeface="Arial"/>
-              </a:endParaRPr>
-            </a:p>
-          </p:txBody>
-        </p:sp>
-        <p:sp>
-          <p:nvSpPr>
-            <p:cNvPr id="141" name="Line"/>
-            <p:cNvSpPr/>
-            <p:nvPr/>
-          </p:nvSpPr>
-          <p:spPr>
-            <a:xfrm>
-              <a:off x="2757307" y="622132"/>
-              <a:ext cx="428360" cy="1409"/>
-            </a:xfrm>
-            <a:prstGeom prst="line">
-              <a:avLst/>
-            </a:prstGeom>
-            <a:noFill/>
-            <a:ln w="25400" cap="flat">
-              <a:solidFill>
-                <a:srgbClr val="FFFFFF"/>
-              </a:solidFill>
-              <a:prstDash val="solid"/>
-              <a:miter lim="400000"/>
-            </a:ln>
-            <a:effectLst/>
-          </p:spPr>
-          <p:txBody>
-            <a:bodyPr wrap="square" lIns="50800" tIns="50800" rIns="50800" bIns="50800" numCol="1" anchor="ctr">
-              <a:noAutofit/>
-            </a:bodyPr>
-            <a:lstStyle/>
-            <a:p>
-              <a:pPr marL="0" marR="0" lvl="0" indent="0" algn="ctr" defTabSz="584200" rtl="0" eaLnBrk="1" fontAlgn="auto" latinLnBrk="0" hangingPunct="0">
-                <a:lnSpc>
-                  <a:spcPct val="100000"/>
-                </a:lnSpc>
-                <a:spcBef>
-                  <a:spcPts val="0"/>
-                </a:spcBef>
-                <a:spcAft>
-                  <a:spcPts val="0"/>
-                </a:spcAft>
-                <a:buClrTx/>
-                <a:buSzTx/>
-                <a:buFontTx/>
-                <a:buNone/>
-                <a:tabLst/>
-                <a:defRPr sz="2200">
-                  <a:solidFill>
-                    <a:srgbClr val="FFFFFF"/>
-                  </a:solidFill>
-                </a:defRPr>
-              </a:pPr>
-              <a:endParaRPr kumimoji="0" sz="2200" b="1" i="0" u="none" strike="noStrike" kern="0" cap="none" spc="0" normalizeH="0" baseline="0" noProof="0">
-                <a:ln>
-                  <a:noFill/>
-                </a:ln>
-                <a:solidFill>
-                  <a:srgbClr val="FFFFFF"/>
-                </a:solidFill>
-                <a:effectLst/>
-                <a:uLnTx/>
-                <a:uFillTx/>
-                <a:latin typeface="Arial"/>
-                <a:cs typeface="Arial"/>
-                <a:sym typeface="Arial"/>
-              </a:endParaRPr>
-            </a:p>
-          </p:txBody>
-        </p:sp>
-        <p:pic>
-          <p:nvPicPr>
-            <p:cNvPr id="137" name="Image" descr="Image"/>
-            <p:cNvPicPr>
-              <a:picLocks noChangeAspect="1"/>
-            </p:cNvPicPr>
-            <p:nvPr/>
-          </p:nvPicPr>
-          <p:blipFill>
-            <a:blip r:embed="rId2"/>
-            <a:stretch>
-              <a:fillRect/>
-            </a:stretch>
-          </p:blipFill>
-          <p:spPr>
-            <a:xfrm>
-              <a:off x="-14288" y="134523"/>
-              <a:ext cx="3084067" cy="3084067"/>
-            </a:xfrm>
-            <a:prstGeom prst="rect">
-              <a:avLst/>
-            </a:prstGeom>
-            <a:ln w="12700" cap="flat">
-              <a:noFill/>
-              <a:miter lim="400000"/>
-            </a:ln>
-            <a:effectLst/>
-          </p:spPr>
-        </p:pic>
-      </p:grpSp>
-    </p:spTree>
-    <p:extLst>
-      <p:ext uri="{BB962C8B-B14F-4D97-AF65-F5344CB8AC3E}">
-        <p14:creationId xmlns:p14="http://schemas.microsoft.com/office/powerpoint/2010/main" val="1174655838"/>
-      </p:ext>
-    </p:extLst>
-  </p:cSld>
-  <p:clrMapOvr>
-    <a:masterClrMapping/>
-  </p:clrMapOvr>
-  <p:transition spd="med"/>
-</p:sld>
-</file>
-
-<file path=ppt/slides/slide17.xml><?xml version="1.0" encoding="utf-8"?>
 <p:sld xmlns:a="http://schemas.openxmlformats.org/drawingml/2006/main" xmlns:r="http://schemas.openxmlformats.org/officeDocument/2006/relationships" xmlns:p="http://schemas.openxmlformats.org/presentationml/2006/main">
   <p:cSld>
     <p:bg>
@@ -5968,7 +5393,7 @@
             <a:noFill/>
             <a:extLst>
               <a:ext uri="{909E8E84-426E-40dd-AFC4-6F175D3DCCD1}">
-                <a14:hiddenFill xmlns="" xmlns:a14="http://schemas.microsoft.com/office/drawing/2010/main">
+                <a14:hiddenFill xmlns:a14="http://schemas.microsoft.com/office/drawing/2010/main" xmlns="">
                   <a:solidFill>
                     <a:srgbClr val="FFFFFF"/>
                   </a:solidFill>
@@ -6200,6 +5625,581 @@
 </p:sld>
 </file>
 
+<file path=ppt/slides/slide17.xml><?xml version="1.0" encoding="utf-8"?>
+<p:sld xmlns:a="http://schemas.openxmlformats.org/drawingml/2006/main" xmlns:r="http://schemas.openxmlformats.org/officeDocument/2006/relationships" xmlns:p="http://schemas.openxmlformats.org/presentationml/2006/main">
+  <p:cSld>
+    <p:bg>
+      <p:bgPr>
+        <a:solidFill>
+          <a:srgbClr val="808080"/>
+        </a:solidFill>
+        <a:effectLst/>
+      </p:bgPr>
+    </p:bg>
+    <p:spTree>
+      <p:nvGrpSpPr>
+        <p:cNvPr id="1" name=""/>
+        <p:cNvGrpSpPr/>
+        <p:nvPr/>
+      </p:nvGrpSpPr>
+      <p:grpSpPr>
+        <a:xfrm>
+          <a:off x="0" y="0"/>
+          <a:ext cx="0" cy="0"/>
+          <a:chOff x="0" y="0"/>
+          <a:chExt cx="0" cy="0"/>
+        </a:xfrm>
+      </p:grpSpPr>
+      <p:sp>
+        <p:nvSpPr>
+          <p:cNvPr id="9" name="Rectangle 8">
+            <a:extLst>
+              <a:ext uri="{FF2B5EF4-FFF2-40B4-BE49-F238E27FC236}">
+                <a16:creationId xmlns:a16="http://schemas.microsoft.com/office/drawing/2014/main" id="{46F7810C-C958-1C49-A853-3CD953ED5CF5}"/>
+              </a:ext>
+            </a:extLst>
+          </p:cNvPr>
+          <p:cNvSpPr/>
+          <p:nvPr/>
+        </p:nvSpPr>
+        <p:spPr>
+          <a:xfrm>
+            <a:off x="0" y="0"/>
+            <a:ext cx="13004800" cy="9753600"/>
+          </a:xfrm>
+          <a:prstGeom prst="rect">
+            <a:avLst/>
+          </a:prstGeom>
+          <a:solidFill>
+            <a:srgbClr val="808080"/>
+          </a:solidFill>
+          <a:ln w="12700" cap="flat">
+            <a:noFill/>
+            <a:miter lim="400000"/>
+          </a:ln>
+          <a:effectLst/>
+          <a:sp3d/>
+        </p:spPr>
+        <p:style>
+          <a:lnRef idx="0">
+            <a:scrgbClr r="0" g="0" b="0"/>
+          </a:lnRef>
+          <a:fillRef idx="0">
+            <a:scrgbClr r="0" g="0" b="0"/>
+          </a:fillRef>
+          <a:effectRef idx="0">
+            <a:scrgbClr r="0" g="0" b="0"/>
+          </a:effectRef>
+          <a:fontRef idx="none"/>
+        </p:style>
+        <p:txBody>
+          <a:bodyPr rot="0" spcFirstLastPara="1" vertOverflow="overflow" horzOverflow="overflow" vert="horz" wrap="square" lIns="50800" tIns="50800" rIns="50800" bIns="50800" numCol="1" spcCol="38100" rtlCol="0" anchor="ctr">
+            <a:spAutoFit/>
+          </a:bodyPr>
+          <a:lstStyle/>
+          <a:p>
+            <a:pPr marL="0" marR="0" indent="0" algn="ctr" defTabSz="584200" rtl="0" fontAlgn="auto" latinLnBrk="0" hangingPunct="0">
+              <a:lnSpc>
+                <a:spcPct val="100000"/>
+              </a:lnSpc>
+              <a:spcBef>
+                <a:spcPts val="0"/>
+              </a:spcBef>
+              <a:spcAft>
+                <a:spcPts val="0"/>
+              </a:spcAft>
+              <a:buClrTx/>
+              <a:buSzTx/>
+              <a:buFontTx/>
+              <a:buNone/>
+              <a:tabLst/>
+            </a:pPr>
+            <a:endParaRPr kumimoji="0" lang="en-US" sz="2200" b="1" i="0" u="none" strike="noStrike" cap="none" spc="0" normalizeH="0" baseline="0">
+              <a:ln>
+                <a:noFill/>
+              </a:ln>
+              <a:solidFill>
+                <a:srgbClr val="FFFFFF"/>
+              </a:solidFill>
+              <a:effectLst/>
+              <a:uFillTx/>
+              <a:latin typeface="+mn-lt"/>
+              <a:ea typeface="+mn-ea"/>
+              <a:cs typeface="+mn-cs"/>
+              <a:sym typeface="Arial"/>
+            </a:endParaRPr>
+          </a:p>
+        </p:txBody>
+      </p:sp>
+      <p:sp>
+        <p:nvSpPr>
+          <p:cNvPr id="136" name="To choose the left object, press your pointer finger.…"/>
+          <p:cNvSpPr txBox="1">
+            <a:spLocks noGrp="1"/>
+          </p:cNvSpPr>
+          <p:nvPr>
+            <p:ph type="subTitle" sz="half" idx="1"/>
+          </p:nvPr>
+        </p:nvSpPr>
+        <p:spPr>
+          <a:xfrm>
+            <a:off x="1108075" y="986345"/>
+            <a:ext cx="10788650" cy="4659291"/>
+          </a:xfrm>
+          <a:prstGeom prst="rect">
+            <a:avLst/>
+          </a:prstGeom>
+        </p:spPr>
+        <p:txBody>
+          <a:bodyPr>
+            <a:noAutofit/>
+          </a:bodyPr>
+          <a:lstStyle/>
+          <a:p>
+            <a:pPr defTabSz="452627">
+              <a:defRPr sz="3465">
+                <a:solidFill>
+                  <a:srgbClr val="FFFFFF"/>
+                </a:solidFill>
+              </a:defRPr>
+            </a:pPr>
+            <a:r>
+              <a:rPr sz="3500" dirty="0"/>
+              <a:t>To choose the left object, press your pointer finger.</a:t>
+            </a:r>
+            <a:endParaRPr sz="3500" dirty="0">
+              <a:solidFill>
+                <a:srgbClr val="000000"/>
+              </a:solidFill>
+            </a:endParaRPr>
+          </a:p>
+          <a:p>
+            <a:pPr defTabSz="452627">
+              <a:defRPr sz="3465">
+                <a:solidFill>
+                  <a:srgbClr val="FFFFFF"/>
+                </a:solidFill>
+              </a:defRPr>
+            </a:pPr>
+            <a:r>
+              <a:rPr sz="3500" dirty="0"/>
+              <a:t>To choose the right object, press your middle finger.</a:t>
+            </a:r>
+            <a:endParaRPr sz="3500" dirty="0">
+              <a:solidFill>
+                <a:srgbClr val="000000"/>
+              </a:solidFill>
+            </a:endParaRPr>
+          </a:p>
+          <a:p>
+            <a:pPr defTabSz="452627">
+              <a:defRPr sz="3465"/>
+            </a:pPr>
+            <a:endParaRPr sz="3500" dirty="0">
+              <a:solidFill>
+                <a:srgbClr val="000000"/>
+              </a:solidFill>
+            </a:endParaRPr>
+          </a:p>
+          <a:p>
+            <a:pPr defTabSz="452627">
+              <a:defRPr sz="3465">
+                <a:solidFill>
+                  <a:srgbClr val="FFFFFF"/>
+                </a:solidFill>
+              </a:defRPr>
+            </a:pPr>
+            <a:r>
+              <a:rPr sz="3500" dirty="0"/>
+              <a:t>You will have </a:t>
+            </a:r>
+            <a:r>
+              <a:rPr sz="3500" u="sng" dirty="0"/>
+              <a:t>up to 1.5 seconds</a:t>
+            </a:r>
+            <a:r>
+              <a:rPr sz="3500" dirty="0"/>
+              <a:t> to make your choice. </a:t>
+            </a:r>
+            <a:endParaRPr sz="3500" dirty="0">
+              <a:solidFill>
+                <a:srgbClr val="000000"/>
+              </a:solidFill>
+            </a:endParaRPr>
+          </a:p>
+          <a:p>
+            <a:pPr defTabSz="452627">
+              <a:defRPr sz="3465"/>
+            </a:pPr>
+            <a:endParaRPr sz="3500" dirty="0">
+              <a:solidFill>
+                <a:srgbClr val="000000"/>
+              </a:solidFill>
+            </a:endParaRPr>
+          </a:p>
+          <a:p>
+            <a:pPr defTabSz="452627">
+              <a:defRPr sz="3465">
+                <a:solidFill>
+                  <a:srgbClr val="FFFFFF"/>
+                </a:solidFill>
+              </a:defRPr>
+            </a:pPr>
+            <a:r>
+              <a:rPr lang="en-US" sz="3500" dirty="0"/>
+              <a:t>If you are too slow to respond, you will not earn bonus money for that decision.</a:t>
+            </a:r>
+          </a:p>
+        </p:txBody>
+      </p:sp>
+      <p:grpSp>
+        <p:nvGrpSpPr>
+          <p:cNvPr id="142" name="Group"/>
+          <p:cNvGrpSpPr/>
+          <p:nvPr/>
+        </p:nvGrpSpPr>
+        <p:grpSpPr>
+          <a:xfrm>
+            <a:off x="4101205" y="5552995"/>
+            <a:ext cx="5601927" cy="3670909"/>
+            <a:chOff x="-14288" y="-452317"/>
+            <a:chExt cx="5601926" cy="3670907"/>
+          </a:xfrm>
+        </p:grpSpPr>
+        <p:sp>
+          <p:nvSpPr>
+            <p:cNvPr id="138" name="Choose Left"/>
+            <p:cNvSpPr txBox="1"/>
+            <p:nvPr/>
+          </p:nvSpPr>
+          <p:spPr>
+            <a:xfrm>
+              <a:off x="2613918" y="-452317"/>
+              <a:ext cx="2165000" cy="471924"/>
+            </a:xfrm>
+            <a:prstGeom prst="rect">
+              <a:avLst/>
+            </a:prstGeom>
+            <a:noFill/>
+            <a:ln w="12700" cap="flat">
+              <a:noFill/>
+              <a:miter lim="400000"/>
+            </a:ln>
+            <a:effectLst/>
+            <a:extLst>
+              <a:ext uri="{C572A759-6A51-4108-AA02-DFA0A04FC94B}">
+                <ma14:wrappingTextBoxFlag xmlns:ma14="http://schemas.microsoft.com/office/mac/drawingml/2011/main" xmlns:a14="http://schemas.microsoft.com/office/drawing/2010/main" xmlns:m="http://schemas.openxmlformats.org/officeDocument/2006/math" xmlns="" val="1"/>
+              </a:ext>
+            </a:extLst>
+          </p:spPr>
+          <p:txBody>
+            <a:bodyPr wrap="square" lIns="50800" tIns="50800" rIns="50800" bIns="50800" numCol="1" anchor="ctr">
+              <a:spAutoFit/>
+            </a:bodyPr>
+            <a:lstStyle>
+              <a:lvl1pPr>
+                <a:defRPr>
+                  <a:solidFill>
+                    <a:srgbClr val="FFFFFF"/>
+                  </a:solidFill>
+                </a:defRPr>
+              </a:lvl1pPr>
+            </a:lstStyle>
+            <a:p>
+              <a:pPr marL="0" marR="0" lvl="0" indent="0" algn="ctr" defTabSz="584200" rtl="0" eaLnBrk="1" fontAlgn="auto" latinLnBrk="0" hangingPunct="0">
+                <a:lnSpc>
+                  <a:spcPct val="100000"/>
+                </a:lnSpc>
+                <a:spcBef>
+                  <a:spcPts val="0"/>
+                </a:spcBef>
+                <a:spcAft>
+                  <a:spcPts val="0"/>
+                </a:spcAft>
+                <a:buClrTx/>
+                <a:buSzTx/>
+                <a:buFontTx/>
+                <a:buNone/>
+                <a:tabLst/>
+                <a:defRPr/>
+              </a:pPr>
+              <a:r>
+                <a:rPr kumimoji="0" sz="2400" b="1" i="0" u="none" strike="noStrike" kern="0" cap="none" spc="0" normalizeH="0" baseline="0" noProof="0" dirty="0">
+                  <a:ln>
+                    <a:noFill/>
+                  </a:ln>
+                  <a:solidFill>
+                    <a:srgbClr val="FFFFFF"/>
+                  </a:solidFill>
+                  <a:effectLst/>
+                  <a:uLnTx/>
+                  <a:uFillTx/>
+                  <a:latin typeface="Arial"/>
+                  <a:cs typeface="Arial"/>
+                  <a:sym typeface="Arial"/>
+                </a:rPr>
+                <a:t>Choose Left</a:t>
+              </a:r>
+            </a:p>
+          </p:txBody>
+        </p:sp>
+        <p:sp>
+          <p:nvSpPr>
+            <p:cNvPr id="139" name="Choose Right"/>
+            <p:cNvSpPr txBox="1"/>
+            <p:nvPr/>
+          </p:nvSpPr>
+          <p:spPr>
+            <a:xfrm>
+              <a:off x="3185666" y="386171"/>
+              <a:ext cx="2401972" cy="471924"/>
+            </a:xfrm>
+            <a:prstGeom prst="rect">
+              <a:avLst/>
+            </a:prstGeom>
+            <a:noFill/>
+            <a:ln w="12700" cap="flat">
+              <a:noFill/>
+              <a:miter lim="400000"/>
+            </a:ln>
+            <a:effectLst/>
+            <a:extLst>
+              <a:ext uri="{C572A759-6A51-4108-AA02-DFA0A04FC94B}">
+                <ma14:wrappingTextBoxFlag xmlns:ma14="http://schemas.microsoft.com/office/mac/drawingml/2011/main" xmlns:a14="http://schemas.microsoft.com/office/drawing/2010/main" xmlns:m="http://schemas.openxmlformats.org/officeDocument/2006/math" xmlns="" val="1"/>
+              </a:ext>
+            </a:extLst>
+          </p:spPr>
+          <p:txBody>
+            <a:bodyPr wrap="square" lIns="50800" tIns="50800" rIns="50800" bIns="50800" numCol="1" anchor="ctr">
+              <a:spAutoFit/>
+            </a:bodyPr>
+            <a:lstStyle>
+              <a:lvl1pPr>
+                <a:defRPr>
+                  <a:solidFill>
+                    <a:srgbClr val="FFFFFF"/>
+                  </a:solidFill>
+                </a:defRPr>
+              </a:lvl1pPr>
+            </a:lstStyle>
+            <a:p>
+              <a:pPr marL="0" marR="0" lvl="0" indent="0" algn="ctr" defTabSz="584200" rtl="0" eaLnBrk="1" fontAlgn="auto" latinLnBrk="0" hangingPunct="0">
+                <a:lnSpc>
+                  <a:spcPct val="100000"/>
+                </a:lnSpc>
+                <a:spcBef>
+                  <a:spcPts val="0"/>
+                </a:spcBef>
+                <a:spcAft>
+                  <a:spcPts val="0"/>
+                </a:spcAft>
+                <a:buClrTx/>
+                <a:buSzTx/>
+                <a:buFontTx/>
+                <a:buNone/>
+                <a:tabLst/>
+                <a:defRPr/>
+              </a:pPr>
+              <a:r>
+                <a:rPr kumimoji="0" sz="2400" b="1" i="0" u="none" strike="noStrike" kern="0" cap="none" spc="0" normalizeH="0" baseline="0" noProof="0" dirty="0">
+                  <a:ln>
+                    <a:noFill/>
+                  </a:ln>
+                  <a:solidFill>
+                    <a:srgbClr val="FFFFFF"/>
+                  </a:solidFill>
+                  <a:effectLst/>
+                  <a:uLnTx/>
+                  <a:uFillTx/>
+                  <a:latin typeface="Arial"/>
+                  <a:cs typeface="Arial"/>
+                  <a:sym typeface="Arial"/>
+                </a:rPr>
+                <a:t>Choose Right</a:t>
+              </a:r>
+            </a:p>
+          </p:txBody>
+        </p:sp>
+        <p:sp>
+          <p:nvSpPr>
+            <p:cNvPr id="140" name="Line"/>
+            <p:cNvSpPr/>
+            <p:nvPr/>
+          </p:nvSpPr>
+          <p:spPr>
+            <a:xfrm flipV="1">
+              <a:off x="2241982" y="-95309"/>
+              <a:ext cx="451835" cy="353298"/>
+            </a:xfrm>
+            <a:prstGeom prst="line">
+              <a:avLst/>
+            </a:prstGeom>
+            <a:noFill/>
+            <a:ln w="25400" cap="flat">
+              <a:solidFill>
+                <a:srgbClr val="FFFFFF"/>
+              </a:solidFill>
+              <a:prstDash val="solid"/>
+              <a:miter lim="400000"/>
+            </a:ln>
+            <a:effectLst/>
+          </p:spPr>
+          <p:txBody>
+            <a:bodyPr wrap="square" lIns="50800" tIns="50800" rIns="50800" bIns="50800" numCol="1" anchor="ctr">
+              <a:noAutofit/>
+            </a:bodyPr>
+            <a:lstStyle/>
+            <a:p>
+              <a:pPr marL="0" marR="0" lvl="0" indent="0" algn="ctr" defTabSz="584200" rtl="0" eaLnBrk="1" fontAlgn="auto" latinLnBrk="0" hangingPunct="0">
+                <a:lnSpc>
+                  <a:spcPct val="100000"/>
+                </a:lnSpc>
+                <a:spcBef>
+                  <a:spcPts val="0"/>
+                </a:spcBef>
+                <a:spcAft>
+                  <a:spcPts val="0"/>
+                </a:spcAft>
+                <a:buClrTx/>
+                <a:buSzTx/>
+                <a:buFontTx/>
+                <a:buNone/>
+                <a:tabLst/>
+                <a:defRPr sz="2200">
+                  <a:solidFill>
+                    <a:srgbClr val="FFFFFF"/>
+                  </a:solidFill>
+                </a:defRPr>
+              </a:pPr>
+              <a:endParaRPr kumimoji="0" sz="2200" b="1" i="0" u="none" strike="noStrike" kern="0" cap="none" spc="0" normalizeH="0" baseline="0" noProof="0" dirty="0">
+                <a:ln>
+                  <a:noFill/>
+                </a:ln>
+                <a:solidFill>
+                  <a:srgbClr val="FFFFFF"/>
+                </a:solidFill>
+                <a:effectLst/>
+                <a:uLnTx/>
+                <a:uFillTx/>
+                <a:latin typeface="Arial"/>
+                <a:cs typeface="Arial"/>
+                <a:sym typeface="Arial"/>
+              </a:endParaRPr>
+            </a:p>
+          </p:txBody>
+        </p:sp>
+        <p:sp>
+          <p:nvSpPr>
+            <p:cNvPr id="141" name="Line"/>
+            <p:cNvSpPr/>
+            <p:nvPr/>
+          </p:nvSpPr>
+          <p:spPr>
+            <a:xfrm>
+              <a:off x="2757307" y="622132"/>
+              <a:ext cx="428360" cy="1409"/>
+            </a:xfrm>
+            <a:prstGeom prst="line">
+              <a:avLst/>
+            </a:prstGeom>
+            <a:noFill/>
+            <a:ln w="25400" cap="flat">
+              <a:solidFill>
+                <a:srgbClr val="FFFFFF"/>
+              </a:solidFill>
+              <a:prstDash val="solid"/>
+              <a:miter lim="400000"/>
+            </a:ln>
+            <a:effectLst/>
+          </p:spPr>
+          <p:txBody>
+            <a:bodyPr wrap="square" lIns="50800" tIns="50800" rIns="50800" bIns="50800" numCol="1" anchor="ctr">
+              <a:noAutofit/>
+            </a:bodyPr>
+            <a:lstStyle/>
+            <a:p>
+              <a:pPr marL="0" marR="0" lvl="0" indent="0" algn="ctr" defTabSz="584200" rtl="0" eaLnBrk="1" fontAlgn="auto" latinLnBrk="0" hangingPunct="0">
+                <a:lnSpc>
+                  <a:spcPct val="100000"/>
+                </a:lnSpc>
+                <a:spcBef>
+                  <a:spcPts val="0"/>
+                </a:spcBef>
+                <a:spcAft>
+                  <a:spcPts val="0"/>
+                </a:spcAft>
+                <a:buClrTx/>
+                <a:buSzTx/>
+                <a:buFontTx/>
+                <a:buNone/>
+                <a:tabLst/>
+                <a:defRPr sz="2200">
+                  <a:solidFill>
+                    <a:srgbClr val="FFFFFF"/>
+                  </a:solidFill>
+                </a:defRPr>
+              </a:pPr>
+              <a:endParaRPr kumimoji="0" sz="2200" b="1" i="0" u="none" strike="noStrike" kern="0" cap="none" spc="0" normalizeH="0" baseline="0" noProof="0">
+                <a:ln>
+                  <a:noFill/>
+                </a:ln>
+                <a:solidFill>
+                  <a:srgbClr val="FFFFFF"/>
+                </a:solidFill>
+                <a:effectLst/>
+                <a:uLnTx/>
+                <a:uFillTx/>
+                <a:latin typeface="Arial"/>
+                <a:cs typeface="Arial"/>
+                <a:sym typeface="Arial"/>
+              </a:endParaRPr>
+            </a:p>
+          </p:txBody>
+        </p:sp>
+        <p:pic>
+          <p:nvPicPr>
+            <p:cNvPr id="137" name="Image" descr="Image"/>
+            <p:cNvPicPr>
+              <a:picLocks noChangeAspect="1"/>
+            </p:cNvPicPr>
+            <p:nvPr/>
+          </p:nvPicPr>
+          <p:blipFill>
+            <a:blip r:embed="rId2"/>
+            <a:stretch>
+              <a:fillRect/>
+            </a:stretch>
+          </p:blipFill>
+          <p:spPr>
+            <a:xfrm>
+              <a:off x="-14288" y="134523"/>
+              <a:ext cx="3084067" cy="3084067"/>
+            </a:xfrm>
+            <a:prstGeom prst="rect">
+              <a:avLst/>
+            </a:prstGeom>
+            <a:ln w="12700" cap="flat">
+              <a:noFill/>
+              <a:miter lim="400000"/>
+            </a:ln>
+            <a:effectLst/>
+          </p:spPr>
+        </p:pic>
+      </p:grpSp>
+    </p:spTree>
+    <p:extLst>
+      <p:ext uri="{BB962C8B-B14F-4D97-AF65-F5344CB8AC3E}">
+        <p14:creationId xmlns:p14="http://schemas.microsoft.com/office/powerpoint/2010/main" val="1174655838"/>
+      </p:ext>
+    </p:extLst>
+  </p:cSld>
+  <p:clrMapOvr>
+    <a:masterClrMapping/>
+  </p:clrMapOvr>
+  <p:transition spd="med"/>
+</p:sld>
+</file>
+
 <file path=ppt/slides/slide18.xml><?xml version="1.0" encoding="utf-8"?>
 <p:sld xmlns:a="http://schemas.openxmlformats.org/drawingml/2006/main" xmlns:r="http://schemas.openxmlformats.org/officeDocument/2006/relationships" xmlns:p="http://schemas.openxmlformats.org/presentationml/2006/main">
   <p:cSld>
@@ -6562,30 +6562,6 @@
               <a:t>Please ask us any questions now if you don’t understand how the game works.</a:t>
             </a:r>
             <a:endParaRPr lang="en-US" sz="3500" dirty="0"/>
-          </a:p>
-          <a:p>
-            <a:pPr>
-              <a:defRPr sz="3500">
-                <a:solidFill>
-                  <a:srgbClr val="FFFFFF"/>
-                </a:solidFill>
-              </a:defRPr>
-            </a:pPr>
-            <a:endParaRPr lang="en-US" sz="3500" dirty="0"/>
-          </a:p>
-          <a:p>
-            <a:pPr>
-              <a:defRPr sz="3500">
-                <a:solidFill>
-                  <a:srgbClr val="FFFFFF"/>
-                </a:solidFill>
-              </a:defRPr>
-            </a:pPr>
-            <a:r>
-              <a:rPr lang="en-US" sz="3500" dirty="0"/>
-              <a:t>Press your pointer finger to start.</a:t>
-            </a:r>
-            <a:endParaRPr sz="3500" dirty="0"/>
           </a:p>
         </p:txBody>
       </p:sp>
@@ -9073,7 +9049,7 @@
             </a:pPr>
             <a:r>
               <a:rPr lang="en-US" sz="3500" dirty="0"/>
-              <a:t>If you are too slow, you will see </a:t>
+              <a:t>If you are too slow to respond, you will see </a:t>
             </a:r>
           </a:p>
           <a:p>
@@ -9090,7 +9066,7 @@
             </a:r>
             <a:r>
               <a:rPr lang="en-US" sz="3500" i="1" dirty="0"/>
-              <a:t>Please respond more quickly</a:t>
+              <a:t>TOO SLOW</a:t>
             </a:r>
             <a:r>
               <a:rPr lang="en-US" sz="3500" dirty="0"/>
@@ -9135,7 +9111,7 @@
             <a:effectLst/>
             <a:extLst>
               <a:ext uri="{C572A759-6A51-4108-AA02-DFA0A04FC94B}">
-                <ma14:wrappingTextBoxFlag xmlns="" xmlns:m="http://schemas.openxmlformats.org/officeDocument/2006/math" xmlns:a14="http://schemas.microsoft.com/office/drawing/2010/main" xmlns:ma14="http://schemas.microsoft.com/office/mac/drawingml/2011/main" val="1"/>
+                <ma14:wrappingTextBoxFlag xmlns:ma14="http://schemas.microsoft.com/office/mac/drawingml/2011/main" xmlns:a14="http://schemas.microsoft.com/office/drawing/2010/main" xmlns:m="http://schemas.openxmlformats.org/officeDocument/2006/math" xmlns="" val="1"/>
               </a:ext>
             </a:extLst>
           </p:spPr>
@@ -9212,7 +9188,7 @@
             <a:effectLst/>
             <a:extLst>
               <a:ext uri="{C572A759-6A51-4108-AA02-DFA0A04FC94B}">
-                <ma14:wrappingTextBoxFlag xmlns="" xmlns:m="http://schemas.openxmlformats.org/officeDocument/2006/math" xmlns:a14="http://schemas.microsoft.com/office/drawing/2010/main" xmlns:ma14="http://schemas.microsoft.com/office/mac/drawingml/2011/main" val="1"/>
+                <ma14:wrappingTextBoxFlag xmlns:ma14="http://schemas.microsoft.com/office/mac/drawingml/2011/main" xmlns:a14="http://schemas.microsoft.com/office/drawing/2010/main" xmlns:m="http://schemas.openxmlformats.org/officeDocument/2006/math" xmlns="" val="1"/>
               </a:ext>
             </a:extLst>
           </p:spPr>
@@ -9821,30 +9797,6 @@
             </a:r>
             <a:endParaRPr lang="en-US" sz="3500" dirty="0"/>
           </a:p>
-          <a:p>
-            <a:pPr>
-              <a:defRPr sz="3500">
-                <a:solidFill>
-                  <a:srgbClr val="FFFFFF"/>
-                </a:solidFill>
-              </a:defRPr>
-            </a:pPr>
-            <a:endParaRPr lang="en-US" sz="3500" dirty="0"/>
-          </a:p>
-          <a:p>
-            <a:pPr>
-              <a:defRPr sz="3500">
-                <a:solidFill>
-                  <a:srgbClr val="FFFFFF"/>
-                </a:solidFill>
-              </a:defRPr>
-            </a:pPr>
-            <a:r>
-              <a:rPr lang="en-US" sz="3500" dirty="0"/>
-              <a:t>Press your pointer finger to start.</a:t>
-            </a:r>
-            <a:endParaRPr sz="3500" dirty="0"/>
-          </a:p>
         </p:txBody>
       </p:sp>
     </p:spTree>
@@ -10293,7 +10245,7 @@
           </a:ln>
           <a:extLst>
             <a:ext uri="{C572A759-6A51-4108-AA02-DFA0A04FC94B}">
-              <ma14:wrappingTextBoxFlag xmlns="" xmlns:m="http://schemas.openxmlformats.org/officeDocument/2006/math" xmlns:a14="http://schemas.microsoft.com/office/drawing/2010/main" xmlns:ma14="http://schemas.microsoft.com/office/mac/drawingml/2011/main" val="1"/>
+              <ma14:wrappingTextBoxFlag xmlns:ma14="http://schemas.microsoft.com/office/mac/drawingml/2011/main" xmlns:a14="http://schemas.microsoft.com/office/drawing/2010/main" xmlns:m="http://schemas.openxmlformats.org/officeDocument/2006/math" xmlns="" val="1"/>
             </a:ext>
           </a:extLst>
         </p:spPr>
@@ -10662,7 +10614,7 @@
             <a:noFill/>
             <a:extLst>
               <a:ext uri="{909E8E84-426E-40dd-AFC4-6F175D3DCCD1}">
-                <a14:hiddenFill xmlns="" xmlns:a14="http://schemas.microsoft.com/office/drawing/2010/main">
+                <a14:hiddenFill xmlns:a14="http://schemas.microsoft.com/office/drawing/2010/main" xmlns="">
                   <a:solidFill>
                     <a:srgbClr val="FFFFFF"/>
                   </a:solidFill>
@@ -11261,7 +11213,7 @@
             </a:ln>
             <a:extLst>
               <a:ext uri="{C572A759-6A51-4108-AA02-DFA0A04FC94B}">
-                <ma14:wrappingTextBoxFlag xmlns="" xmlns:m="http://schemas.openxmlformats.org/officeDocument/2006/math" xmlns:a14="http://schemas.microsoft.com/office/drawing/2010/main" xmlns:ma14="http://schemas.microsoft.com/office/mac/drawingml/2011/main" val="1"/>
+                <ma14:wrappingTextBoxFlag xmlns:ma14="http://schemas.microsoft.com/office/mac/drawingml/2011/main" xmlns:a14="http://schemas.microsoft.com/office/drawing/2010/main" xmlns:m="http://schemas.openxmlformats.org/officeDocument/2006/math" xmlns="" val="1"/>
               </a:ext>
             </a:extLst>
           </p:spPr>
@@ -11630,7 +11582,7 @@
               <a:noFill/>
               <a:extLst>
                 <a:ext uri="{909E8E84-426E-40dd-AFC4-6F175D3DCCD1}">
-                  <a14:hiddenFill xmlns="" xmlns:a14="http://schemas.microsoft.com/office/drawing/2010/main">
+                  <a14:hiddenFill xmlns:a14="http://schemas.microsoft.com/office/drawing/2010/main" xmlns="">
                     <a:solidFill>
                       <a:srgbClr val="FFFFFF"/>
                     </a:solidFill>
@@ -12235,7 +12187,7 @@
             </a:ln>
             <a:extLst>
               <a:ext uri="{C572A759-6A51-4108-AA02-DFA0A04FC94B}">
-                <ma14:wrappingTextBoxFlag xmlns="" xmlns:m="http://schemas.openxmlformats.org/officeDocument/2006/math" xmlns:a14="http://schemas.microsoft.com/office/drawing/2010/main" xmlns:ma14="http://schemas.microsoft.com/office/mac/drawingml/2011/main" val="1"/>
+                <ma14:wrappingTextBoxFlag xmlns:ma14="http://schemas.microsoft.com/office/mac/drawingml/2011/main" xmlns:a14="http://schemas.microsoft.com/office/drawing/2010/main" xmlns:m="http://schemas.openxmlformats.org/officeDocument/2006/math" xmlns="" val="1"/>
               </a:ext>
             </a:extLst>
           </p:spPr>
@@ -12591,7 +12543,7 @@
               <a:noFill/>
               <a:extLst>
                 <a:ext uri="{909E8E84-426E-40dd-AFC4-6F175D3DCCD1}">
-                  <a14:hiddenFill xmlns="" xmlns:a14="http://schemas.microsoft.com/office/drawing/2010/main">
+                  <a14:hiddenFill xmlns:a14="http://schemas.microsoft.com/office/drawing/2010/main" xmlns="">
                     <a:solidFill>
                       <a:srgbClr val="FFFFFF"/>
                     </a:solidFill>
@@ -13757,7 +13709,7 @@
             <a:noFill/>
             <a:extLst>
               <a:ext uri="{909E8E84-426E-40dd-AFC4-6F175D3DCCD1}">
-                <a14:hiddenFill xmlns="" xmlns:a14="http://schemas.microsoft.com/office/drawing/2010/main">
+                <a14:hiddenFill xmlns:a14="http://schemas.microsoft.com/office/drawing/2010/main" xmlns="">
                   <a:solidFill>
                     <a:srgbClr val="FFFFFF"/>
                   </a:solidFill>
@@ -13918,7 +13870,7 @@
             </a:ln>
             <a:extLst>
               <a:ext uri="{C572A759-6A51-4108-AA02-DFA0A04FC94B}">
-                <ma14:wrappingTextBoxFlag xmlns="" xmlns:m="http://schemas.openxmlformats.org/officeDocument/2006/math" xmlns:a14="http://schemas.microsoft.com/office/drawing/2010/main" xmlns:ma14="http://schemas.microsoft.com/office/mac/drawingml/2011/main" val="1"/>
+                <ma14:wrappingTextBoxFlag xmlns:ma14="http://schemas.microsoft.com/office/mac/drawingml/2011/main" xmlns:a14="http://schemas.microsoft.com/office/drawing/2010/main" xmlns:m="http://schemas.openxmlformats.org/officeDocument/2006/math" xmlns="" val="1"/>
               </a:ext>
             </a:extLst>
           </p:spPr>
@@ -15845,7 +15797,7 @@
             </a:ln>
             <a:extLst>
               <a:ext uri="{C572A759-6A51-4108-AA02-DFA0A04FC94B}">
-                <ma14:wrappingTextBoxFlag xmlns="" xmlns:m="http://schemas.openxmlformats.org/officeDocument/2006/math" xmlns:a14="http://schemas.microsoft.com/office/drawing/2010/main" xmlns:ma14="http://schemas.microsoft.com/office/mac/drawingml/2011/main" val="1"/>
+                <ma14:wrappingTextBoxFlag xmlns:ma14="http://schemas.microsoft.com/office/mac/drawingml/2011/main" xmlns:a14="http://schemas.microsoft.com/office/drawing/2010/main" xmlns:m="http://schemas.openxmlformats.org/officeDocument/2006/math" xmlns="" val="1"/>
               </a:ext>
             </a:extLst>
           </p:spPr>
@@ -16201,7 +16153,7 @@
               <a:noFill/>
               <a:extLst>
                 <a:ext uri="{909E8E84-426E-40dd-AFC4-6F175D3DCCD1}">
-                  <a14:hiddenFill xmlns="" xmlns:a14="http://schemas.microsoft.com/office/drawing/2010/main">
+                  <a14:hiddenFill xmlns:a14="http://schemas.microsoft.com/office/drawing/2010/main" xmlns="">
                     <a:solidFill>
                       <a:srgbClr val="FFFFFF"/>
                     </a:solidFill>
@@ -17367,7 +17319,7 @@
             <a:noFill/>
             <a:extLst>
               <a:ext uri="{909E8E84-426E-40dd-AFC4-6F175D3DCCD1}">
-                <a14:hiddenFill xmlns="" xmlns:a14="http://schemas.microsoft.com/office/drawing/2010/main">
+                <a14:hiddenFill xmlns:a14="http://schemas.microsoft.com/office/drawing/2010/main" xmlns="">
                   <a:solidFill>
                     <a:srgbClr val="FFFFFF"/>
                   </a:solidFill>
@@ -18062,7 +18014,7 @@
             <a:noFill/>
             <a:extLst>
               <a:ext uri="{909E8E84-426E-40dd-AFC4-6F175D3DCCD1}">
-                <a14:hiddenFill xmlns="" xmlns:a14="http://schemas.microsoft.com/office/drawing/2010/main">
+                <a14:hiddenFill xmlns:a14="http://schemas.microsoft.com/office/drawing/2010/main" xmlns="">
                   <a:solidFill>
                     <a:srgbClr val="FFFFFF"/>
                   </a:solidFill>
@@ -18963,7 +18915,7 @@
             <a:noFill/>
             <a:extLst>
               <a:ext uri="{909E8E84-426E-40dd-AFC4-6F175D3DCCD1}">
-                <a14:hiddenFill xmlns="" xmlns:a14="http://schemas.microsoft.com/office/drawing/2010/main">
+                <a14:hiddenFill xmlns:a14="http://schemas.microsoft.com/office/drawing/2010/main" xmlns="">
                   <a:solidFill>
                     <a:srgbClr val="FFFFFF"/>
                   </a:solidFill>
@@ -20830,7 +20782,7 @@
           </a:ln>
           <a:extLst>
             <a:ext uri="{C572A759-6A51-4108-AA02-DFA0A04FC94B}">
-              <ma14:wrappingTextBoxFlag xmlns="" xmlns:m="http://schemas.openxmlformats.org/officeDocument/2006/math" xmlns:a14="http://schemas.microsoft.com/office/drawing/2010/main" xmlns:ma14="http://schemas.microsoft.com/office/mac/drawingml/2011/main" val="1"/>
+              <ma14:wrappingTextBoxFlag xmlns:ma14="http://schemas.microsoft.com/office/mac/drawingml/2011/main" xmlns:a14="http://schemas.microsoft.com/office/drawing/2010/main" xmlns:m="http://schemas.openxmlformats.org/officeDocument/2006/math" xmlns="" val="1"/>
             </a:ext>
           </a:extLst>
         </p:spPr>
@@ -22682,7 +22634,7 @@
           </a:ln>
           <a:extLst>
             <a:ext uri="{C572A759-6A51-4108-AA02-DFA0A04FC94B}">
-              <ma14:wrappingTextBoxFlag xmlns="" xmlns:m="http://schemas.openxmlformats.org/officeDocument/2006/math" xmlns:a14="http://schemas.microsoft.com/office/drawing/2010/main" xmlns:ma14="http://schemas.microsoft.com/office/mac/drawingml/2011/main" val="1"/>
+              <ma14:wrappingTextBoxFlag xmlns:ma14="http://schemas.microsoft.com/office/mac/drawingml/2011/main" xmlns:a14="http://schemas.microsoft.com/office/drawing/2010/main" xmlns:m="http://schemas.openxmlformats.org/officeDocument/2006/math" xmlns="" val="1"/>
             </a:ext>
           </a:extLst>
         </p:spPr>
@@ -22759,7 +22711,7 @@
           </a:ln>
           <a:extLst>
             <a:ext uri="{C572A759-6A51-4108-AA02-DFA0A04FC94B}">
-              <ma14:wrappingTextBoxFlag xmlns="" xmlns:m="http://schemas.openxmlformats.org/officeDocument/2006/math" xmlns:a14="http://schemas.microsoft.com/office/drawing/2010/main" xmlns:ma14="http://schemas.microsoft.com/office/mac/drawingml/2011/main" val="1"/>
+              <ma14:wrappingTextBoxFlag xmlns:ma14="http://schemas.microsoft.com/office/mac/drawingml/2011/main" xmlns:a14="http://schemas.microsoft.com/office/drawing/2010/main" xmlns:m="http://schemas.openxmlformats.org/officeDocument/2006/math" xmlns="" val="1"/>
             </a:ext>
           </a:extLst>
         </p:spPr>
@@ -22853,7 +22805,7 @@
           </a:ln>
           <a:extLst>
             <a:ext uri="{C572A759-6A51-4108-AA02-DFA0A04FC94B}">
-              <ma14:wrappingTextBoxFlag xmlns="" xmlns:m="http://schemas.openxmlformats.org/officeDocument/2006/math" xmlns:a14="http://schemas.microsoft.com/office/drawing/2010/main" xmlns:ma14="http://schemas.microsoft.com/office/mac/drawingml/2011/main" val="1"/>
+              <ma14:wrappingTextBoxFlag xmlns:ma14="http://schemas.microsoft.com/office/mac/drawingml/2011/main" xmlns:a14="http://schemas.microsoft.com/office/drawing/2010/main" xmlns:m="http://schemas.openxmlformats.org/officeDocument/2006/math" xmlns="" val="1"/>
             </a:ext>
           </a:extLst>
         </p:spPr>
@@ -23146,7 +23098,7 @@
             </a:pPr>
             <a:r>
               <a:rPr lang="en-US" sz="3500" dirty="0"/>
-              <a:t>If you are too slow, you will see </a:t>
+              <a:t>If you are too slow to respond, you will see </a:t>
             </a:r>
           </a:p>
           <a:p>
@@ -23163,7 +23115,7 @@
             </a:r>
             <a:r>
               <a:rPr lang="en-US" sz="3500" i="1" dirty="0"/>
-              <a:t>Please respond more quickly</a:t>
+              <a:t>TOO SLOW</a:t>
             </a:r>
             <a:r>
               <a:rPr lang="en-US" sz="3500" dirty="0"/>
@@ -23221,7 +23173,7 @@
           <a:effectLst/>
           <a:extLst>
             <a:ext uri="{C572A759-6A51-4108-AA02-DFA0A04FC94B}">
-              <ma14:wrappingTextBoxFlag xmlns="" xmlns:m="http://schemas.openxmlformats.org/officeDocument/2006/math" xmlns:a14="http://schemas.microsoft.com/office/drawing/2010/main" xmlns:ma14="http://schemas.microsoft.com/office/mac/drawingml/2011/main" val="1"/>
+              <ma14:wrappingTextBoxFlag xmlns:ma14="http://schemas.microsoft.com/office/mac/drawingml/2011/main" xmlns:a14="http://schemas.microsoft.com/office/drawing/2010/main" xmlns:m="http://schemas.openxmlformats.org/officeDocument/2006/math" xmlns="" val="1"/>
             </a:ext>
           </a:extLst>
         </p:spPr>
@@ -23268,7 +23220,7 @@
           <a:effectLst/>
           <a:extLst>
             <a:ext uri="{C572A759-6A51-4108-AA02-DFA0A04FC94B}">
-              <ma14:wrappingTextBoxFlag xmlns="" xmlns:m="http://schemas.openxmlformats.org/officeDocument/2006/math" xmlns:a14="http://schemas.microsoft.com/office/drawing/2010/main" xmlns:ma14="http://schemas.microsoft.com/office/mac/drawingml/2011/main" val="1"/>
+              <ma14:wrappingTextBoxFlag xmlns:ma14="http://schemas.microsoft.com/office/mac/drawingml/2011/main" xmlns:a14="http://schemas.microsoft.com/office/drawing/2010/main" xmlns:m="http://schemas.openxmlformats.org/officeDocument/2006/math" xmlns="" val="1"/>
             </a:ext>
           </a:extLst>
         </p:spPr>
@@ -23800,30 +23752,6 @@
               <a:t>Please ask us any questions now if you don’t understand how the game works.</a:t>
             </a:r>
             <a:endParaRPr lang="en-US" sz="3500" dirty="0"/>
-          </a:p>
-          <a:p>
-            <a:pPr>
-              <a:defRPr sz="3500">
-                <a:solidFill>
-                  <a:srgbClr val="FFFFFF"/>
-                </a:solidFill>
-              </a:defRPr>
-            </a:pPr>
-            <a:endParaRPr lang="en-US" sz="3500" dirty="0"/>
-          </a:p>
-          <a:p>
-            <a:pPr>
-              <a:defRPr sz="3500">
-                <a:solidFill>
-                  <a:srgbClr val="FFFFFF"/>
-                </a:solidFill>
-              </a:defRPr>
-            </a:pPr>
-            <a:r>
-              <a:rPr lang="en-US" sz="3500" dirty="0"/>
-              <a:t>Press your pointer finger to start.</a:t>
-            </a:r>
-            <a:endParaRPr sz="3500" dirty="0"/>
           </a:p>
         </p:txBody>
       </p:sp>
